--- a/docs/img/Experiment_11/Präsentation_ANS_LDO.pptx
+++ b/docs/img/Experiment_11/Präsentation_ANS_LDO.pptx
@@ -121,6 +121,11 @@
       </a:defRPr>
     </a:lvl9pPr>
   </p:defaultTextStyle>
+  <p:extLst>
+    <p:ext uri="{EFAFB233-063F-42B5-8137-9DF3F51BA10A}">
+      <p15:sldGuideLst xmlns:p15="http://schemas.microsoft.com/office/powerpoint/2012/main"/>
+    </p:ext>
+  </p:extLst>
 </p:presentation>
 </file>
 
@@ -9660,7 +9665,7 @@
     <mc:Choice Requires="p14">
       <p:transition spd="slow" p14:dur="2000"/>
     </mc:Choice>
-    <mc:Fallback xmlns:p15="http://schemas.microsoft.com/office/powerpoint/2012/main" xmlns="">
+    <mc:Fallback xmlns="" xmlns:p15="http://schemas.microsoft.com/office/powerpoint/2012/main">
       <p:transition spd="slow"/>
     </mc:Fallback>
   </mc:AlternateContent>
@@ -10431,7 +10436,7 @@
     <mc:Choice Requires="p14">
       <p:transition spd="slow" p14:dur="2000"/>
     </mc:Choice>
-    <mc:Fallback xmlns:p15="http://schemas.microsoft.com/office/powerpoint/2012/main" xmlns="">
+    <mc:Fallback xmlns="" xmlns:p15="http://schemas.microsoft.com/office/powerpoint/2012/main">
       <p:transition spd="slow"/>
     </mc:Fallback>
   </mc:AlternateContent>
@@ -10607,7 +10612,12 @@
             <p:ph type="body"/>
           </p:nvPr>
         </p:nvSpPr>
-        <p:spPr/>
+        <p:spPr>
+          <a:xfrm>
+            <a:off x="250920" y="783963"/>
+            <a:ext cx="8639640" cy="539640"/>
+          </a:xfrm>
+        </p:spPr>
         <p:txBody>
           <a:bodyPr>
             <a:normAutofit/>
@@ -10646,7 +10656,7 @@
         </p:nvSpPr>
         <p:spPr>
           <a:xfrm>
-            <a:off x="250920" y="468001"/>
+            <a:off x="250920" y="475651"/>
             <a:ext cx="8639640" cy="498598"/>
           </a:xfrm>
         </p:spPr>
@@ -10732,7 +10742,7 @@
     <mc:Choice Requires="p14">
       <p:transition spd="slow" p14:dur="2000"/>
     </mc:Choice>
-    <mc:Fallback xmlns:p15="http://schemas.microsoft.com/office/powerpoint/2012/main" xmlns="">
+    <mc:Fallback xmlns="" xmlns:p15="http://schemas.microsoft.com/office/powerpoint/2012/main">
       <p:transition spd="slow"/>
     </mc:Fallback>
   </mc:AlternateContent>
@@ -10773,7 +10783,12 @@
             <p:ph type="body"/>
           </p:nvPr>
         </p:nvSpPr>
-        <p:spPr/>
+        <p:spPr>
+          <a:xfrm>
+            <a:off x="250920" y="1032774"/>
+            <a:ext cx="8639640" cy="539640"/>
+          </a:xfrm>
+        </p:spPr>
         <p:txBody>
           <a:bodyPr>
             <a:normAutofit/>
@@ -10804,7 +10819,12 @@
             <p:ph type="title"/>
           </p:nvPr>
         </p:nvSpPr>
-        <p:spPr/>
+        <p:spPr>
+          <a:xfrm>
+            <a:off x="250920" y="493134"/>
+            <a:ext cx="8639640" cy="539640"/>
+          </a:xfrm>
+        </p:spPr>
         <p:txBody>
           <a:bodyPr/>
           <a:lstStyle/>

--- a/docs/img/Experiment_11/Präsentation_ANS_LDO.pptx
+++ b/docs/img/Experiment_11/Präsentation_ANS_LDO.pptx
@@ -7,22 +7,23 @@
     <p:sldMasterId id="2147483674" r:id="rId3"/>
   </p:sldMasterIdLst>
   <p:notesMasterIdLst>
-    <p:notesMasterId r:id="rId17"/>
+    <p:notesMasterId r:id="rId18"/>
   </p:notesMasterIdLst>
   <p:sldIdLst>
     <p:sldId id="256" r:id="rId4"/>
     <p:sldId id="257" r:id="rId5"/>
     <p:sldId id="258" r:id="rId6"/>
-    <p:sldId id="259" r:id="rId7"/>
-    <p:sldId id="261" r:id="rId8"/>
-    <p:sldId id="268" r:id="rId9"/>
-    <p:sldId id="262" r:id="rId10"/>
-    <p:sldId id="269" r:id="rId11"/>
-    <p:sldId id="260" r:id="rId12"/>
-    <p:sldId id="263" r:id="rId13"/>
-    <p:sldId id="264" r:id="rId14"/>
-    <p:sldId id="267" r:id="rId15"/>
-    <p:sldId id="266" r:id="rId16"/>
+    <p:sldId id="271" r:id="rId7"/>
+    <p:sldId id="259" r:id="rId8"/>
+    <p:sldId id="261" r:id="rId9"/>
+    <p:sldId id="268" r:id="rId10"/>
+    <p:sldId id="262" r:id="rId11"/>
+    <p:sldId id="269" r:id="rId12"/>
+    <p:sldId id="260" r:id="rId13"/>
+    <p:sldId id="263" r:id="rId14"/>
+    <p:sldId id="270" r:id="rId15"/>
+    <p:sldId id="267" r:id="rId16"/>
+    <p:sldId id="266" r:id="rId17"/>
   </p:sldIdLst>
   <p:sldSz cx="9144000" cy="5143500" type="screen16x9"/>
   <p:notesSz cx="6858000" cy="9144000"/>
@@ -8788,7 +8789,7 @@
                 </a:solidFill>
                 <a:latin typeface="Calibri"/>
               </a:rPr>
-              <a:t>28.06.2019</a:t>
+              <a:t>01.07.2019</a:t>
             </a:fld>
             <a:endParaRPr lang="de-DE" sz="900" b="0" strike="noStrike" spc="-1">
               <a:latin typeface="Times New Roman"/>
@@ -9665,7 +9666,7 @@
     <mc:Choice Requires="p14">
       <p:transition spd="slow" p14:dur="2000"/>
     </mc:Choice>
-    <mc:Fallback xmlns="" xmlns:p15="http://schemas.microsoft.com/office/powerpoint/2012/main">
+    <mc:Fallback xmlns:p15="http://schemas.microsoft.com/office/powerpoint/2012/main" xmlns="">
       <p:transition spd="slow"/>
     </mc:Fallback>
   </mc:AlternateContent>
@@ -9698,26 +9699,7 @@
       </p:grpSpPr>
       <p:sp>
         <p:nvSpPr>
-          <p:cNvPr id="2" name="Textplatzhalter 1"/>
-          <p:cNvSpPr>
-            <a:spLocks noGrp="1"/>
-          </p:cNvSpPr>
-          <p:nvPr>
-            <p:ph type="body"/>
-          </p:nvPr>
-        </p:nvSpPr>
-        <p:spPr/>
-        <p:txBody>
-          <a:bodyPr/>
-          <a:lstStyle/>
-          <a:p>
-            <a:endParaRPr lang="de-DE" dirty="0"/>
-          </a:p>
-        </p:txBody>
-      </p:sp>
-      <p:sp>
-        <p:nvSpPr>
-          <p:cNvPr id="5" name="Titel 4"/>
+          <p:cNvPr id="12" name="Titel 4"/>
           <p:cNvSpPr>
             <a:spLocks noGrp="1"/>
           </p:cNvSpPr>
@@ -9743,7 +9725,17 @@
                 <a:latin typeface="Calibri" panose="020F0502020204030204" pitchFamily="34" charset="0"/>
                 <a:cs typeface="Calibri" panose="020F0502020204030204" pitchFamily="34" charset="0"/>
               </a:rPr>
-              <a:t>Messaufbau Teil2</a:t>
+              <a:t>Simulation der Schaltung </a:t>
+            </a:r>
+            <a:r>
+              <a:rPr lang="de-DE" sz="1800" dirty="0" smtClean="0">
+                <a:solidFill>
+                  <a:srgbClr val="0A558C"/>
+                </a:solidFill>
+                <a:latin typeface="Calibri" panose="020F0502020204030204" pitchFamily="34" charset="0"/>
+                <a:cs typeface="Calibri" panose="020F0502020204030204" pitchFamily="34" charset="0"/>
+              </a:rPr>
+              <a:t>- Lastregelung</a:t>
             </a:r>
             <a:endParaRPr lang="de-DE" sz="1800" dirty="0">
               <a:solidFill>
@@ -9757,28 +9749,22 @@
       </p:sp>
       <p:pic>
         <p:nvPicPr>
-          <p:cNvPr id="3" name="Grafik 2"/>
+          <p:cNvPr id="2" name="Grafik 1"/>
           <p:cNvPicPr>
             <a:picLocks noChangeAspect="1"/>
           </p:cNvPicPr>
           <p:nvPr/>
         </p:nvPicPr>
         <p:blipFill>
-          <a:blip r:embed="rId2" cstate="print">
-            <a:extLst>
-              <a:ext uri="{28A0092B-C50C-407E-A947-70E740481C1C}">
-                <a14:useLocalDpi xmlns:a14="http://schemas.microsoft.com/office/drawing/2010/main" val="0"/>
-              </a:ext>
-            </a:extLst>
-          </a:blip>
+          <a:blip r:embed="rId2"/>
           <a:stretch>
             <a:fillRect/>
           </a:stretch>
         </p:blipFill>
         <p:spPr>
           <a:xfrm>
-            <a:off x="1580547" y="1283273"/>
-            <a:ext cx="5980386" cy="3363967"/>
+            <a:off x="274965" y="1015069"/>
+            <a:ext cx="8591550" cy="3533775"/>
           </a:xfrm>
           <a:prstGeom prst="rect">
             <a:avLst/>
@@ -9788,7 +9774,7 @@
     </p:spTree>
     <p:extLst>
       <p:ext uri="{BB962C8B-B14F-4D97-AF65-F5344CB8AC3E}">
-        <p14:creationId xmlns:p14="http://schemas.microsoft.com/office/powerpoint/2010/main" val="4123914089"/>
+        <p14:creationId xmlns:p14="http://schemas.microsoft.com/office/powerpoint/2010/main" val="3358317029"/>
       </p:ext>
     </p:extLst>
   </p:cSld>
@@ -9822,56 +9808,16 @@
           <a:chExt cx="0" cy="0"/>
         </a:xfrm>
       </p:grpSpPr>
-      <p:sp>
-        <p:nvSpPr>
-          <p:cNvPr id="5" name="Titel 4"/>
-          <p:cNvSpPr>
-            <a:spLocks noGrp="1"/>
-          </p:cNvSpPr>
-          <p:nvPr>
-            <p:ph type="title"/>
-          </p:nvPr>
-        </p:nvSpPr>
-        <p:spPr>
-          <a:xfrm>
-            <a:off x="250920" y="592650"/>
-            <a:ext cx="8639640" cy="249299"/>
-          </a:xfrm>
-        </p:spPr>
-        <p:txBody>
-          <a:bodyPr/>
-          <a:lstStyle/>
-          <a:p>
-            <a:r>
-              <a:rPr lang="de-DE" sz="1800" dirty="0" smtClean="0">
-                <a:solidFill>
-                  <a:srgbClr val="0A558C"/>
-                </a:solidFill>
-                <a:latin typeface="Calibri" panose="020F0502020204030204" pitchFamily="34" charset="0"/>
-                <a:cs typeface="Calibri" panose="020F0502020204030204" pitchFamily="34" charset="0"/>
-              </a:rPr>
-              <a:t>Vergleich der Simulation und der Messung</a:t>
-            </a:r>
-            <a:endParaRPr lang="de-DE" sz="1800" dirty="0">
-              <a:solidFill>
-                <a:srgbClr val="0A558C"/>
-              </a:solidFill>
-              <a:latin typeface="Calibri" panose="020F0502020204030204" pitchFamily="34" charset="0"/>
-              <a:cs typeface="Calibri" panose="020F0502020204030204" pitchFamily="34" charset="0"/>
-            </a:endParaRPr>
-          </a:p>
-        </p:txBody>
-      </p:sp>
       <p:pic>
         <p:nvPicPr>
-          <p:cNvPr id="4" name="Grafik 3"/>
+          <p:cNvPr id="3" name="Grafik 2"/>
           <p:cNvPicPr>
             <a:picLocks noChangeAspect="1"/>
           </p:cNvPicPr>
           <p:nvPr/>
         </p:nvPicPr>
         <p:blipFill>
-          <a:blip r:embed="rId2">
+          <a:blip r:embed="rId2" cstate="print">
             <a:extLst>
               <a:ext uri="{28A0092B-C50C-407E-A947-70E740481C1C}">
                 <a14:useLocalDpi xmlns:a14="http://schemas.microsoft.com/office/drawing/2010/main" val="0"/>
@@ -9884,18 +9830,131 @@
         </p:blipFill>
         <p:spPr>
           <a:xfrm>
-            <a:off x="2192775" y="1292773"/>
-            <a:ext cx="4755930" cy="3566948"/>
+            <a:off x="2910174" y="1167659"/>
+            <a:ext cx="5980386" cy="3363967"/>
           </a:xfrm>
           <a:prstGeom prst="rect">
             <a:avLst/>
           </a:prstGeom>
         </p:spPr>
       </p:pic>
+      <p:sp>
+        <p:nvSpPr>
+          <p:cNvPr id="5" name="Titel 4"/>
+          <p:cNvSpPr>
+            <a:spLocks noGrp="1"/>
+          </p:cNvSpPr>
+          <p:nvPr>
+            <p:ph type="title"/>
+          </p:nvPr>
+        </p:nvSpPr>
+        <p:spPr>
+          <a:xfrm>
+            <a:off x="250920" y="592650"/>
+            <a:ext cx="8639640" cy="249299"/>
+          </a:xfrm>
+        </p:spPr>
+        <p:txBody>
+          <a:bodyPr/>
+          <a:lstStyle/>
+          <a:p>
+            <a:r>
+              <a:rPr lang="de-DE" sz="1800" dirty="0" smtClean="0">
+                <a:solidFill>
+                  <a:srgbClr val="0A558C"/>
+                </a:solidFill>
+                <a:latin typeface="Calibri" panose="020F0502020204030204" pitchFamily="34" charset="0"/>
+                <a:cs typeface="Calibri" panose="020F0502020204030204" pitchFamily="34" charset="0"/>
+              </a:rPr>
+              <a:t>Messaufbau </a:t>
+            </a:r>
+            <a:r>
+              <a:rPr lang="de-DE" sz="1800" dirty="0">
+                <a:solidFill>
+                  <a:srgbClr val="0A558C"/>
+                </a:solidFill>
+                <a:latin typeface="Calibri" panose="020F0502020204030204" pitchFamily="34" charset="0"/>
+                <a:cs typeface="Calibri" panose="020F0502020204030204" pitchFamily="34" charset="0"/>
+              </a:rPr>
+              <a:t>- Lastregelung</a:t>
+            </a:r>
+            <a:endParaRPr lang="de-DE" sz="1800" dirty="0">
+              <a:solidFill>
+                <a:srgbClr val="0A558C"/>
+              </a:solidFill>
+              <a:latin typeface="Calibri" panose="020F0502020204030204" pitchFamily="34" charset="0"/>
+              <a:cs typeface="Calibri" panose="020F0502020204030204" pitchFamily="34" charset="0"/>
+            </a:endParaRPr>
+          </a:p>
+        </p:txBody>
+      </p:sp>
+      <p:sp>
+        <p:nvSpPr>
+          <p:cNvPr id="4" name="Textplatzhalter 3"/>
+          <p:cNvSpPr>
+            <a:spLocks noGrp="1"/>
+          </p:cNvSpPr>
+          <p:nvPr>
+            <p:ph type="body"/>
+          </p:nvPr>
+        </p:nvSpPr>
+        <p:spPr/>
+        <p:txBody>
+          <a:bodyPr>
+            <a:normAutofit/>
+          </a:bodyPr>
+          <a:lstStyle/>
+          <a:p>
+            <a:r>
+              <a:rPr lang="de-DE" sz="1800" dirty="0" smtClean="0">
+                <a:solidFill>
+                  <a:srgbClr val="0070C0"/>
+                </a:solidFill>
+              </a:rPr>
+              <a:t>Voltmeter</a:t>
+            </a:r>
+          </a:p>
+          <a:p>
+            <a:r>
+              <a:rPr lang="de-DE" sz="1800" dirty="0" smtClean="0">
+                <a:solidFill>
+                  <a:srgbClr val="0070C0"/>
+                </a:solidFill>
+              </a:rPr>
+              <a:t>Amperemeter</a:t>
+            </a:r>
+          </a:p>
+          <a:p>
+            <a:r>
+              <a:rPr lang="de-DE" sz="1800" dirty="0" smtClean="0">
+                <a:solidFill>
+                  <a:srgbClr val="0070C0"/>
+                </a:solidFill>
+              </a:rPr>
+              <a:t>Spannungsquelle</a:t>
+            </a:r>
+          </a:p>
+          <a:p>
+            <a:r>
+              <a:rPr lang="de-DE" sz="1800" dirty="0" smtClean="0">
+                <a:solidFill>
+                  <a:srgbClr val="0070C0"/>
+                </a:solidFill>
+              </a:rPr>
+              <a:t>Widerstandsdekade</a:t>
+            </a:r>
+            <a:endParaRPr lang="de-DE" sz="1800" dirty="0">
+              <a:solidFill>
+                <a:srgbClr val="0070C0"/>
+              </a:solidFill>
+            </a:endParaRPr>
+          </a:p>
+        </p:txBody>
+      </p:sp>
     </p:spTree>
     <p:extLst>
       <p:ext uri="{BB962C8B-B14F-4D97-AF65-F5344CB8AC3E}">
-        <p14:creationId xmlns:p14="http://schemas.microsoft.com/office/powerpoint/2010/main" val="888834822"/>
+        <p14:creationId xmlns:p14="http://schemas.microsoft.com/office/powerpoint/2010/main" val="4123914089"/>
       </p:ext>
     </p:extLst>
   </p:cSld>
@@ -9931,25 +9990,6 @@
       </p:grpSpPr>
       <p:sp>
         <p:nvSpPr>
-          <p:cNvPr id="2" name="Textplatzhalter 1"/>
-          <p:cNvSpPr>
-            <a:spLocks noGrp="1"/>
-          </p:cNvSpPr>
-          <p:nvPr>
-            <p:ph type="body"/>
-          </p:nvPr>
-        </p:nvSpPr>
-        <p:spPr/>
-        <p:txBody>
-          <a:bodyPr/>
-          <a:lstStyle/>
-          <a:p>
-            <a:endParaRPr lang="de-DE" dirty="0"/>
-          </a:p>
-        </p:txBody>
-      </p:sp>
-      <p:sp>
-        <p:nvSpPr>
           <p:cNvPr id="5" name="Titel 4"/>
           <p:cNvSpPr>
             <a:spLocks noGrp="1"/>
@@ -9964,6 +10004,137 @@
             <a:ext cx="8639640" cy="249299"/>
           </a:xfrm>
         </p:spPr>
+        <p:txBody>
+          <a:bodyPr/>
+          <a:lstStyle/>
+          <a:p>
+            <a:r>
+              <a:rPr lang="de-DE" sz="1800" dirty="0" smtClean="0">
+                <a:solidFill>
+                  <a:srgbClr val="0A558C"/>
+                </a:solidFill>
+                <a:latin typeface="Calibri" panose="020F0502020204030204" pitchFamily="34" charset="0"/>
+                <a:cs typeface="Calibri" panose="020F0502020204030204" pitchFamily="34" charset="0"/>
+              </a:rPr>
+              <a:t>Vergleich der Simulation und der </a:t>
+            </a:r>
+            <a:r>
+              <a:rPr lang="de-DE" sz="1800" dirty="0">
+                <a:solidFill>
+                  <a:srgbClr val="0A558C"/>
+                </a:solidFill>
+                <a:latin typeface="Calibri" panose="020F0502020204030204" pitchFamily="34" charset="0"/>
+                <a:cs typeface="Calibri" panose="020F0502020204030204" pitchFamily="34" charset="0"/>
+              </a:rPr>
+              <a:t>Messung - Lastregelung</a:t>
+            </a:r>
+            <a:endParaRPr lang="de-DE" sz="1800" dirty="0">
+              <a:solidFill>
+                <a:srgbClr val="0A558C"/>
+              </a:solidFill>
+              <a:latin typeface="Calibri" panose="020F0502020204030204" pitchFamily="34" charset="0"/>
+              <a:cs typeface="Calibri" panose="020F0502020204030204" pitchFamily="34" charset="0"/>
+            </a:endParaRPr>
+          </a:p>
+        </p:txBody>
+      </p:sp>
+      <p:pic>
+        <p:nvPicPr>
+          <p:cNvPr id="4" name="Grafik 3"/>
+          <p:cNvPicPr>
+            <a:picLocks noChangeAspect="1"/>
+          </p:cNvPicPr>
+          <p:nvPr/>
+        </p:nvPicPr>
+        <p:blipFill>
+          <a:blip r:embed="rId2">
+            <a:extLst>
+              <a:ext uri="{28A0092B-C50C-407E-A947-70E740481C1C}">
+                <a14:useLocalDpi xmlns:a14="http://schemas.microsoft.com/office/drawing/2010/main" val="0"/>
+              </a:ext>
+            </a:extLst>
+          </a:blip>
+          <a:stretch>
+            <a:fillRect/>
+          </a:stretch>
+        </p:blipFill>
+        <p:spPr>
+          <a:xfrm>
+            <a:off x="1904073" y="1006866"/>
+            <a:ext cx="5333333" cy="4000000"/>
+          </a:xfrm>
+          <a:prstGeom prst="rect">
+            <a:avLst/>
+          </a:prstGeom>
+        </p:spPr>
+      </p:pic>
+    </p:spTree>
+    <p:extLst>
+      <p:ext uri="{BB962C8B-B14F-4D97-AF65-F5344CB8AC3E}">
+        <p14:creationId xmlns:p14="http://schemas.microsoft.com/office/powerpoint/2010/main" val="4193670902"/>
+      </p:ext>
+    </p:extLst>
+  </p:cSld>
+  <p:clrMapOvr>
+    <a:masterClrMapping/>
+  </p:clrMapOvr>
+  <p:timing>
+    <p:tnLst>
+      <p:par>
+        <p:cTn id="1" dur="indefinite" restart="never" nodeType="tmRoot"/>
+      </p:par>
+    </p:tnLst>
+  </p:timing>
+</p:sld>
+</file>
+
+<file path=ppt/slides/slide13.xml><?xml version="1.0" encoding="utf-8"?>
+<p:sld xmlns:a="http://schemas.openxmlformats.org/drawingml/2006/main" xmlns:r="http://schemas.openxmlformats.org/officeDocument/2006/relationships" xmlns:p="http://schemas.openxmlformats.org/presentationml/2006/main">
+  <p:cSld>
+    <p:spTree>
+      <p:nvGrpSpPr>
+        <p:cNvPr id="1" name=""/>
+        <p:cNvGrpSpPr/>
+        <p:nvPr/>
+      </p:nvGrpSpPr>
+      <p:grpSpPr>
+        <a:xfrm>
+          <a:off x="0" y="0"/>
+          <a:ext cx="0" cy="0"/>
+          <a:chOff x="0" y="0"/>
+          <a:chExt cx="0" cy="0"/>
+        </a:xfrm>
+      </p:grpSpPr>
+      <p:sp>
+        <p:nvSpPr>
+          <p:cNvPr id="4" name="Textplatzhalter 3"/>
+          <p:cNvSpPr>
+            <a:spLocks noGrp="1"/>
+          </p:cNvSpPr>
+          <p:nvPr>
+            <p:ph type="body"/>
+          </p:nvPr>
+        </p:nvSpPr>
+        <p:spPr/>
+        <p:txBody>
+          <a:bodyPr/>
+          <a:lstStyle/>
+          <a:p>
+            <a:endParaRPr lang="de-DE" dirty="0"/>
+          </a:p>
+        </p:txBody>
+      </p:sp>
+      <p:sp>
+        <p:nvSpPr>
+          <p:cNvPr id="5" name="Titel 4"/>
+          <p:cNvSpPr>
+            <a:spLocks noGrp="1"/>
+          </p:cNvSpPr>
+          <p:nvPr>
+            <p:ph type="title"/>
+          </p:nvPr>
+        </p:nvSpPr>
+        <p:spPr/>
         <p:txBody>
           <a:bodyPr/>
           <a:lstStyle/>
@@ -10008,7 +10179,7 @@
 </p:sld>
 </file>
 
-<file path=ppt/slides/slide13.xml><?xml version="1.0" encoding="utf-8"?>
+<file path=ppt/slides/slide14.xml><?xml version="1.0" encoding="utf-8"?>
 <p:sld xmlns:a="http://schemas.openxmlformats.org/drawingml/2006/main" xmlns:r="http://schemas.openxmlformats.org/officeDocument/2006/relationships" xmlns:p="http://schemas.openxmlformats.org/presentationml/2006/main">
   <p:cSld>
     <p:spTree>
@@ -10436,7 +10607,7 @@
     <mc:Choice Requires="p14">
       <p:transition spd="slow" p14:dur="2000"/>
     </mc:Choice>
-    <mc:Fallback xmlns="" xmlns:p15="http://schemas.microsoft.com/office/powerpoint/2012/main">
+    <mc:Fallback xmlns:p15="http://schemas.microsoft.com/office/powerpoint/2012/main" xmlns="">
       <p:transition spd="slow"/>
     </mc:Fallback>
   </mc:AlternateContent>
@@ -10604,48 +10775,6 @@
       </p:sp>
       <p:sp>
         <p:nvSpPr>
-          <p:cNvPr id="6" name="Textplatzhalter 5"/>
-          <p:cNvSpPr>
-            <a:spLocks noGrp="1"/>
-          </p:cNvSpPr>
-          <p:nvPr>
-            <p:ph type="body"/>
-          </p:nvPr>
-        </p:nvSpPr>
-        <p:spPr>
-          <a:xfrm>
-            <a:off x="250920" y="783963"/>
-            <a:ext cx="8639640" cy="539640"/>
-          </a:xfrm>
-        </p:spPr>
-        <p:txBody>
-          <a:bodyPr>
-            <a:normAutofit/>
-          </a:bodyPr>
-          <a:lstStyle/>
-          <a:p>
-            <a:r>
-              <a:rPr lang="de-DE" sz="1800" dirty="0" smtClean="0"/>
-              <a:t>Low </a:t>
-            </a:r>
-            <a:r>
-              <a:rPr lang="de-DE" sz="1800" dirty="0" err="1" smtClean="0"/>
-              <a:t>dropout</a:t>
-            </a:r>
-            <a:r>
-              <a:rPr lang="de-DE" sz="1800" dirty="0" smtClean="0"/>
-              <a:t> </a:t>
-            </a:r>
-            <a:r>
-              <a:rPr lang="de-DE" sz="1800" dirty="0" err="1" smtClean="0"/>
-              <a:t>regulator</a:t>
-            </a:r>
-            <a:endParaRPr lang="de-DE" sz="1800" dirty="0"/>
-          </a:p>
-        </p:txBody>
-      </p:sp>
-      <p:sp>
-        <p:nvSpPr>
           <p:cNvPr id="4" name="Titel 3"/>
           <p:cNvSpPr>
             <a:spLocks noGrp="1"/>
@@ -10654,12 +10783,7 @@
             <p:ph type="title"/>
           </p:nvPr>
         </p:nvSpPr>
-        <p:spPr>
-          <a:xfrm>
-            <a:off x="250920" y="475651"/>
-            <a:ext cx="8639640" cy="498598"/>
-          </a:xfrm>
-        </p:spPr>
+        <p:spPr/>
         <p:txBody>
           <a:bodyPr/>
           <a:lstStyle/>
@@ -10685,9 +10809,110 @@
           </a:p>
         </p:txBody>
       </p:sp>
+      <p:sp>
+        <p:nvSpPr>
+          <p:cNvPr id="6" name="Textplatzhalter 5"/>
+          <p:cNvSpPr>
+            <a:spLocks noGrp="1"/>
+          </p:cNvSpPr>
+          <p:nvPr>
+            <p:ph type="body"/>
+          </p:nvPr>
+        </p:nvSpPr>
+        <p:spPr/>
+        <p:txBody>
+          <a:bodyPr>
+            <a:normAutofit/>
+          </a:bodyPr>
+          <a:lstStyle/>
+          <a:p>
+            <a:r>
+              <a:rPr lang="de-DE" sz="1800" dirty="0" smtClean="0">
+                <a:solidFill>
+                  <a:srgbClr val="0070C0"/>
+                </a:solidFill>
+              </a:rPr>
+              <a:t>Was ist ein Low Dropout </a:t>
+            </a:r>
+            <a:r>
+              <a:rPr lang="de-DE" sz="1800" dirty="0">
+                <a:solidFill>
+                  <a:srgbClr val="0070C0"/>
+                </a:solidFill>
+              </a:rPr>
+              <a:t>R</a:t>
+            </a:r>
+            <a:r>
+              <a:rPr lang="de-DE" sz="1800" dirty="0" smtClean="0">
+                <a:solidFill>
+                  <a:srgbClr val="0070C0"/>
+                </a:solidFill>
+              </a:rPr>
+              <a:t>egulator (LDO)?</a:t>
+            </a:r>
+          </a:p>
+          <a:p>
+            <a:r>
+              <a:rPr lang="de-DE" sz="1800" dirty="0" err="1" smtClean="0">
+                <a:solidFill>
+                  <a:srgbClr val="0070C0"/>
+                </a:solidFill>
+              </a:rPr>
+              <a:t>Dropoutspannung</a:t>
+            </a:r>
+            <a:endParaRPr lang="de-DE" sz="1800" dirty="0" smtClean="0">
+              <a:solidFill>
+                <a:srgbClr val="0070C0"/>
+              </a:solidFill>
+            </a:endParaRPr>
+          </a:p>
+          <a:p>
+            <a:r>
+              <a:rPr lang="de-DE" sz="1800" dirty="0" smtClean="0">
+                <a:solidFill>
+                  <a:srgbClr val="0070C0"/>
+                </a:solidFill>
+              </a:rPr>
+              <a:t>Unterschied zu anderen Spannungsreglern</a:t>
+            </a:r>
+            <a:endParaRPr lang="de-DE" sz="1800" dirty="0">
+              <a:solidFill>
+                <a:srgbClr val="0070C0"/>
+              </a:solidFill>
+            </a:endParaRPr>
+          </a:p>
+          <a:p>
+            <a:endParaRPr lang="de-DE" sz="1800" dirty="0" smtClean="0">
+              <a:solidFill>
+                <a:srgbClr val="0070C0"/>
+              </a:solidFill>
+            </a:endParaRPr>
+          </a:p>
+          <a:p>
+            <a:endParaRPr lang="de-DE" sz="1800" dirty="0">
+              <a:solidFill>
+                <a:srgbClr val="0070C0"/>
+              </a:solidFill>
+            </a:endParaRPr>
+          </a:p>
+          <a:p>
+            <a:endParaRPr lang="de-DE" sz="1800" dirty="0" smtClean="0">
+              <a:solidFill>
+                <a:srgbClr val="0070C0"/>
+              </a:solidFill>
+            </a:endParaRPr>
+          </a:p>
+          <a:p>
+            <a:endParaRPr lang="de-DE" sz="1800" dirty="0" smtClean="0"/>
+          </a:p>
+          <a:p>
+            <a:endParaRPr lang="de-DE" sz="1800" dirty="0"/>
+          </a:p>
+        </p:txBody>
+      </p:sp>
       <p:pic>
         <p:nvPicPr>
-          <p:cNvPr id="7" name="Grafik 6"/>
+          <p:cNvPr id="2" name="Grafik 1"/>
           <p:cNvPicPr>
             <a:picLocks noChangeAspect="1"/>
           </p:cNvPicPr>
@@ -10701,32 +10926,8 @@
         </p:blipFill>
         <p:spPr>
           <a:xfrm>
-            <a:off x="4754331" y="1753270"/>
-            <a:ext cx="3549704" cy="2230444"/>
-          </a:xfrm>
-          <a:prstGeom prst="rect">
-            <a:avLst/>
-          </a:prstGeom>
-        </p:spPr>
-      </p:pic>
-      <p:pic>
-        <p:nvPicPr>
-          <p:cNvPr id="8" name="Grafik 7"/>
-          <p:cNvPicPr>
-            <a:picLocks noChangeAspect="1"/>
-          </p:cNvPicPr>
-          <p:nvPr/>
-        </p:nvPicPr>
-        <p:blipFill>
-          <a:blip r:embed="rId3"/>
-          <a:stretch>
-            <a:fillRect/>
-          </a:stretch>
-        </p:blipFill>
-        <p:spPr>
-          <a:xfrm>
-            <a:off x="250920" y="1569326"/>
-            <a:ext cx="3774301" cy="2598332"/>
+            <a:off x="5457660" y="1337707"/>
+            <a:ext cx="3238500" cy="3019425"/>
           </a:xfrm>
           <a:prstGeom prst="rect">
             <a:avLst/>
@@ -10742,7 +10943,7 @@
     <mc:Choice Requires="p14">
       <p:transition spd="slow" p14:dur="2000"/>
     </mc:Choice>
-    <mc:Fallback xmlns="" xmlns:p15="http://schemas.microsoft.com/office/powerpoint/2012/main">
+    <mc:Fallback xmlns:p15="http://schemas.microsoft.com/office/powerpoint/2012/main" xmlns="">
       <p:transition spd="slow"/>
     </mc:Fallback>
   </mc:AlternateContent>
@@ -10775,7 +10976,43 @@
       </p:grpSpPr>
       <p:sp>
         <p:nvSpPr>
-          <p:cNvPr id="8" name="Textplatzhalter 7"/>
+          <p:cNvPr id="2" name="Titel 1"/>
+          <p:cNvSpPr>
+            <a:spLocks noGrp="1"/>
+          </p:cNvSpPr>
+          <p:nvPr>
+            <p:ph type="title"/>
+          </p:nvPr>
+        </p:nvSpPr>
+        <p:spPr>
+          <a:xfrm>
+            <a:off x="250920" y="551100"/>
+            <a:ext cx="8639640" cy="332399"/>
+          </a:xfrm>
+        </p:spPr>
+        <p:txBody>
+          <a:bodyPr/>
+          <a:lstStyle/>
+          <a:p>
+            <a:r>
+              <a:rPr lang="de-DE" sz="2400" dirty="0" smtClean="0">
+                <a:solidFill>
+                  <a:srgbClr val="0070C0"/>
+                </a:solidFill>
+              </a:rPr>
+              <a:t>LDO Funktionsweise</a:t>
+            </a:r>
+            <a:endParaRPr lang="de-DE" sz="2400" dirty="0">
+              <a:solidFill>
+                <a:srgbClr val="0070C0"/>
+              </a:solidFill>
+            </a:endParaRPr>
+          </a:p>
+        </p:txBody>
+      </p:sp>
+      <p:sp>
+        <p:nvSpPr>
+          <p:cNvPr id="3" name="Textplatzhalter 2"/>
           <p:cNvSpPr>
             <a:spLocks noGrp="1"/>
           </p:cNvSpPr>
@@ -10783,89 +11020,135 @@
             <p:ph type="body"/>
           </p:nvPr>
         </p:nvSpPr>
-        <p:spPr>
-          <a:xfrm>
-            <a:off x="250920" y="1032774"/>
-            <a:ext cx="8639640" cy="539640"/>
-          </a:xfrm>
-        </p:spPr>
+        <p:spPr/>
         <p:txBody>
           <a:bodyPr>
             <a:normAutofit/>
           </a:bodyPr>
-          <a:lstStyle/>
-          <a:p>
-            <a:r>
-              <a:rPr lang="de-DE" sz="1800" dirty="0" smtClean="0"/>
-              <a:t>Konstante Ausgangsspannung bei variierender Eingangsspannung</a:t>
-            </a:r>
-          </a:p>
-          <a:p>
-            <a:r>
-              <a:rPr lang="en-US" sz="1800" dirty="0"/>
-              <a:t>200mA output current at 5V fixed output voltage level</a:t>
-            </a:r>
-            <a:endParaRPr lang="de-DE" sz="1200" dirty="0"/>
-          </a:p>
-        </p:txBody>
-      </p:sp>
-      <p:sp>
-        <p:nvSpPr>
-          <p:cNvPr id="5" name="Titel 4"/>
-          <p:cNvSpPr>
-            <a:spLocks noGrp="1"/>
-          </p:cNvSpPr>
-          <p:nvPr>
-            <p:ph type="title"/>
-          </p:nvPr>
-        </p:nvSpPr>
-        <p:spPr>
-          <a:xfrm>
-            <a:off x="250920" y="493134"/>
-            <a:ext cx="8639640" cy="539640"/>
-          </a:xfrm>
-        </p:spPr>
-        <p:txBody>
-          <a:bodyPr/>
           <a:lstStyle/>
           <a:p>
             <a:r>
               <a:rPr lang="de-DE" sz="1800" dirty="0" smtClean="0">
                 <a:solidFill>
-                  <a:srgbClr val="0A558C"/>
+                  <a:srgbClr val="0070C0"/>
                 </a:solidFill>
-                <a:latin typeface="Calibri" panose="020F0502020204030204" pitchFamily="34" charset="0"/>
-                <a:cs typeface="Calibri" panose="020F0502020204030204" pitchFamily="34" charset="0"/>
               </a:rPr>
-              <a:t>Aufgabenstellung</a:t>
+              <a:t>Referenzspannung </a:t>
             </a:r>
-            <a:endParaRPr lang="de-DE" sz="1800" dirty="0">
-              <a:solidFill>
-                <a:srgbClr val="0A558C"/>
-              </a:solidFill>
-              <a:latin typeface="Calibri" panose="020F0502020204030204" pitchFamily="34" charset="0"/>
-              <a:cs typeface="Calibri" panose="020F0502020204030204" pitchFamily="34" charset="0"/>
-            </a:endParaRPr>
-          </a:p>
-        </p:txBody>
-      </p:sp>
+          </a:p>
+          <a:p>
+            <a:pPr lvl="1"/>
+            <a:r>
+              <a:rPr lang="de-DE" sz="1400" dirty="0" smtClean="0">
+                <a:solidFill>
+                  <a:srgbClr val="0070C0"/>
+                </a:solidFill>
+              </a:rPr>
+              <a:t>Z-Diode und Widerstand</a:t>
+            </a:r>
+          </a:p>
+          <a:p>
+            <a:r>
+              <a:rPr lang="de-DE" sz="1800" dirty="0" smtClean="0">
+                <a:solidFill>
+                  <a:srgbClr val="0070C0"/>
+                </a:solidFill>
+              </a:rPr>
+              <a:t>Operationsverstärker</a:t>
+            </a:r>
+          </a:p>
+          <a:p>
+            <a:pPr lvl="1"/>
+            <a:r>
+              <a:rPr lang="de-DE" sz="1400" dirty="0" err="1" smtClean="0">
+                <a:solidFill>
+                  <a:srgbClr val="0070C0"/>
+                </a:solidFill>
+              </a:rPr>
+              <a:t>Comparator</a:t>
+            </a:r>
+            <a:endParaRPr lang="de-DE" sz="1400" dirty="0" smtClean="0">
+              <a:solidFill>
+                <a:srgbClr val="0070C0"/>
+              </a:solidFill>
+            </a:endParaRPr>
+          </a:p>
+          <a:p>
+            <a:r>
+              <a:rPr lang="de-DE" sz="1800" dirty="0" smtClean="0">
+                <a:solidFill>
+                  <a:srgbClr val="0070C0"/>
+                </a:solidFill>
+              </a:rPr>
+              <a:t>Durchgangselement </a:t>
+            </a:r>
+          </a:p>
+          <a:p>
+            <a:pPr lvl="1"/>
+            <a:r>
+              <a:rPr lang="de-DE" sz="1400" dirty="0" smtClean="0">
+                <a:solidFill>
+                  <a:srgbClr val="0070C0"/>
+                </a:solidFill>
+              </a:rPr>
+              <a:t>(P-</a:t>
+            </a:r>
+            <a:r>
+              <a:rPr lang="de-DE" sz="1400" dirty="0" err="1" smtClean="0">
+                <a:solidFill>
+                  <a:srgbClr val="0070C0"/>
+                </a:solidFill>
+              </a:rPr>
+              <a:t>Mosfet</a:t>
+            </a:r>
+            <a:r>
+              <a:rPr lang="de-DE" sz="1400" dirty="0" smtClean="0">
+                <a:solidFill>
+                  <a:srgbClr val="0070C0"/>
+                </a:solidFill>
+              </a:rPr>
+              <a:t>)</a:t>
+            </a:r>
+          </a:p>
+          <a:p>
+            <a:endParaRPr lang="de-DE" sz="1800" dirty="0"/>
+          </a:p>
+        </p:txBody>
+      </p:sp>
+      <p:pic>
+        <p:nvPicPr>
+          <p:cNvPr id="4" name="Grafik 3"/>
+          <p:cNvPicPr>
+            <a:picLocks noChangeAspect="1"/>
+          </p:cNvPicPr>
+          <p:nvPr/>
+        </p:nvPicPr>
+        <p:blipFill>
+          <a:blip r:embed="rId2"/>
+          <a:stretch>
+            <a:fillRect/>
+          </a:stretch>
+        </p:blipFill>
+        <p:spPr>
+          <a:xfrm>
+            <a:off x="5369699" y="1548254"/>
+            <a:ext cx="3774301" cy="2598332"/>
+          </a:xfrm>
+          <a:prstGeom prst="rect">
+            <a:avLst/>
+          </a:prstGeom>
+        </p:spPr>
+      </p:pic>
     </p:spTree>
     <p:extLst>
       <p:ext uri="{BB962C8B-B14F-4D97-AF65-F5344CB8AC3E}">
-        <p14:creationId xmlns:p14="http://schemas.microsoft.com/office/powerpoint/2010/main" val="3224665055"/>
+        <p14:creationId xmlns:p14="http://schemas.microsoft.com/office/powerpoint/2010/main" val="3412149453"/>
       </p:ext>
     </p:extLst>
   </p:cSld>
   <p:clrMapOvr>
     <a:masterClrMapping/>
   </p:clrMapOvr>
-  <p:timing>
-    <p:tnLst>
-      <p:par>
-        <p:cTn id="1" dur="indefinite" restart="never" nodeType="tmRoot"/>
-      </p:par>
-    </p:tnLst>
-  </p:timing>
 </p:sld>
 </file>
 
@@ -10886,30 +11169,83 @@
           <a:chExt cx="0" cy="0"/>
         </a:xfrm>
       </p:grpSpPr>
-      <p:pic>
-        <p:nvPicPr>
-          <p:cNvPr id="3" name="Grafik 2"/>
-          <p:cNvPicPr>
-            <a:picLocks noChangeAspect="1"/>
-          </p:cNvPicPr>
-          <p:nvPr/>
-        </p:nvPicPr>
-        <p:blipFill>
-          <a:blip r:embed="rId2"/>
-          <a:stretch>
-            <a:fillRect/>
-          </a:stretch>
-        </p:blipFill>
-        <p:spPr>
-          <a:xfrm>
-            <a:off x="512761" y="841949"/>
-            <a:ext cx="8115957" cy="3945673"/>
-          </a:xfrm>
-          <a:prstGeom prst="rect">
-            <a:avLst/>
-          </a:prstGeom>
-        </p:spPr>
-      </p:pic>
+      <p:sp>
+        <p:nvSpPr>
+          <p:cNvPr id="2" name="Textplatzhalter 1"/>
+          <p:cNvSpPr>
+            <a:spLocks noGrp="1"/>
+          </p:cNvSpPr>
+          <p:nvPr>
+            <p:ph type="body"/>
+          </p:nvPr>
+        </p:nvSpPr>
+        <p:spPr/>
+        <p:txBody>
+          <a:bodyPr>
+            <a:normAutofit/>
+          </a:bodyPr>
+          <a:lstStyle/>
+          <a:p>
+            <a:r>
+              <a:rPr lang="de-DE" sz="1800" dirty="0">
+                <a:solidFill>
+                  <a:srgbClr val="0070C0"/>
+                </a:solidFill>
+              </a:rPr>
+              <a:t>Simulieren </a:t>
+            </a:r>
+            <a:r>
+              <a:rPr lang="de-DE" sz="1800" dirty="0" smtClean="0">
+                <a:solidFill>
+                  <a:srgbClr val="0070C0"/>
+                </a:solidFill>
+              </a:rPr>
+              <a:t>der Schaltung </a:t>
+            </a:r>
+            <a:endParaRPr lang="de-DE" sz="1800" dirty="0">
+              <a:solidFill>
+                <a:srgbClr val="0070C0"/>
+              </a:solidFill>
+            </a:endParaRPr>
+          </a:p>
+          <a:p>
+            <a:r>
+              <a:rPr lang="de-DE" sz="1800" dirty="0" smtClean="0">
+                <a:solidFill>
+                  <a:srgbClr val="0070C0"/>
+                </a:solidFill>
+              </a:rPr>
+              <a:t>Ermitteln </a:t>
+            </a:r>
+            <a:r>
+              <a:rPr lang="de-DE" sz="1800" dirty="0">
+                <a:solidFill>
+                  <a:srgbClr val="0070C0"/>
+                </a:solidFill>
+              </a:rPr>
+              <a:t>der Leitungsregelung</a:t>
+            </a:r>
+          </a:p>
+          <a:p>
+            <a:r>
+              <a:rPr lang="de-DE" sz="1800" dirty="0" smtClean="0">
+                <a:solidFill>
+                  <a:srgbClr val="0070C0"/>
+                </a:solidFill>
+              </a:rPr>
+              <a:t>Ermitteln </a:t>
+            </a:r>
+            <a:r>
+              <a:rPr lang="de-DE" sz="1800" dirty="0">
+                <a:solidFill>
+                  <a:srgbClr val="0070C0"/>
+                </a:solidFill>
+              </a:rPr>
+              <a:t>der Lastregelung</a:t>
+            </a:r>
+          </a:p>
+        </p:txBody>
+      </p:sp>
       <p:sp>
         <p:nvSpPr>
           <p:cNvPr id="5" name="Titel 4"/>
@@ -10933,7 +11269,7 @@
                 <a:latin typeface="Calibri" panose="020F0502020204030204" pitchFamily="34" charset="0"/>
                 <a:cs typeface="Calibri" panose="020F0502020204030204" pitchFamily="34" charset="0"/>
               </a:rPr>
-              <a:t>Aufbau der Schaltung</a:t>
+              <a:t>Aufgabenstellung</a:t>
             </a:r>
             <a:endParaRPr lang="de-DE" sz="1800" dirty="0">
               <a:solidFill>
@@ -10948,7 +11284,7 @@
     </p:spTree>
     <p:extLst>
       <p:ext uri="{BB962C8B-B14F-4D97-AF65-F5344CB8AC3E}">
-        <p14:creationId xmlns:p14="http://schemas.microsoft.com/office/powerpoint/2010/main" val="1848537968"/>
+        <p14:creationId xmlns:p14="http://schemas.microsoft.com/office/powerpoint/2010/main" val="3224665055"/>
       </p:ext>
     </p:extLst>
   </p:cSld>
@@ -10982,44 +11318,9 @@
           <a:chExt cx="0" cy="0"/>
         </a:xfrm>
       </p:grpSpPr>
-      <p:sp>
-        <p:nvSpPr>
-          <p:cNvPr id="4" name="Titel 4"/>
-          <p:cNvSpPr>
-            <a:spLocks noGrp="1"/>
-          </p:cNvSpPr>
-          <p:nvPr>
-            <p:ph type="title"/>
-          </p:nvPr>
-        </p:nvSpPr>
-        <p:spPr/>
-        <p:txBody>
-          <a:bodyPr/>
-          <a:lstStyle/>
-          <a:p>
-            <a:r>
-              <a:rPr lang="de-DE" sz="1800" dirty="0" smtClean="0">
-                <a:solidFill>
-                  <a:srgbClr val="0A558C"/>
-                </a:solidFill>
-                <a:latin typeface="Calibri" panose="020F0502020204030204" pitchFamily="34" charset="0"/>
-                <a:cs typeface="Calibri" panose="020F0502020204030204" pitchFamily="34" charset="0"/>
-              </a:rPr>
-              <a:t>Simulation der Schaltung</a:t>
-            </a:r>
-            <a:endParaRPr lang="de-DE" sz="1800" dirty="0">
-              <a:solidFill>
-                <a:srgbClr val="0A558C"/>
-              </a:solidFill>
-              <a:latin typeface="Calibri" panose="020F0502020204030204" pitchFamily="34" charset="0"/>
-              <a:cs typeface="Calibri" panose="020F0502020204030204" pitchFamily="34" charset="0"/>
-            </a:endParaRPr>
-          </a:p>
-        </p:txBody>
-      </p:sp>
       <p:pic>
         <p:nvPicPr>
-          <p:cNvPr id="6" name="Grafik 5"/>
+          <p:cNvPr id="3" name="Grafik 2"/>
           <p:cNvPicPr>
             <a:picLocks noChangeAspect="1"/>
           </p:cNvPicPr>
@@ -11033,18 +11334,169 @@
         </p:blipFill>
         <p:spPr>
           <a:xfrm>
-            <a:off x="148247" y="1161886"/>
-            <a:ext cx="8844985" cy="3462666"/>
+            <a:off x="250920" y="1524001"/>
+            <a:ext cx="5318273" cy="2585544"/>
           </a:xfrm>
           <a:prstGeom prst="rect">
             <a:avLst/>
           </a:prstGeom>
         </p:spPr>
       </p:pic>
+      <p:sp>
+        <p:nvSpPr>
+          <p:cNvPr id="2" name="Textplatzhalter 1"/>
+          <p:cNvSpPr>
+            <a:spLocks noGrp="1"/>
+          </p:cNvSpPr>
+          <p:nvPr>
+            <p:ph type="body"/>
+          </p:nvPr>
+        </p:nvSpPr>
+        <p:spPr>
+          <a:xfrm>
+            <a:off x="5569193" y="1923393"/>
+            <a:ext cx="3321367" cy="2333298"/>
+          </a:xfrm>
+        </p:spPr>
+        <p:txBody>
+          <a:bodyPr>
+            <a:normAutofit/>
+          </a:bodyPr>
+          <a:lstStyle/>
+          <a:p>
+            <a:r>
+              <a:rPr lang="de-DE" sz="1800" dirty="0" smtClean="0">
+                <a:solidFill>
+                  <a:schemeClr val="accent1"/>
+                </a:solidFill>
+              </a:rPr>
+              <a:t>Eingangsspannung: 5,5-11V</a:t>
+            </a:r>
+          </a:p>
+          <a:p>
+            <a:r>
+              <a:rPr lang="de-DE" sz="1800" dirty="0" smtClean="0">
+                <a:solidFill>
+                  <a:schemeClr val="accent1"/>
+                </a:solidFill>
+              </a:rPr>
+              <a:t>Ausgangsspannung: 5V</a:t>
+            </a:r>
+          </a:p>
+          <a:p>
+            <a:r>
+              <a:rPr lang="de-DE" sz="1800" dirty="0" smtClean="0">
+                <a:solidFill>
+                  <a:schemeClr val="accent1"/>
+                </a:solidFill>
+              </a:rPr>
+              <a:t>C101 verringert Störungen </a:t>
+            </a:r>
+          </a:p>
+          <a:p>
+            <a:r>
+              <a:rPr lang="de-DE" sz="1800" dirty="0">
+                <a:solidFill>
+                  <a:schemeClr val="accent1"/>
+                </a:solidFill>
+              </a:rPr>
+              <a:t>C102 verbessert die </a:t>
+            </a:r>
+            <a:r>
+              <a:rPr lang="de-DE" sz="1800" dirty="0" smtClean="0">
+                <a:solidFill>
+                  <a:schemeClr val="accent1"/>
+                </a:solidFill>
+              </a:rPr>
+              <a:t>Übergangfunktion</a:t>
+            </a:r>
+          </a:p>
+          <a:p>
+            <a:r>
+              <a:rPr lang="de-DE" sz="1800" dirty="0">
+                <a:solidFill>
+                  <a:srgbClr val="0070C0"/>
+                </a:solidFill>
+              </a:rPr>
+              <a:t>C103 </a:t>
+            </a:r>
+            <a:r>
+              <a:rPr lang="de-DE" sz="1800" dirty="0" smtClean="0">
+                <a:solidFill>
+                  <a:srgbClr val="0070C0"/>
+                </a:solidFill>
+              </a:rPr>
+              <a:t>dient </a:t>
+            </a:r>
+            <a:r>
+              <a:rPr lang="de-DE" sz="1800" dirty="0">
+                <a:solidFill>
+                  <a:srgbClr val="0070C0"/>
+                </a:solidFill>
+              </a:rPr>
+              <a:t>als Speicher </a:t>
+            </a:r>
+            <a:endParaRPr lang="de-DE" sz="1100" dirty="0" smtClean="0">
+              <a:solidFill>
+                <a:srgbClr val="0070C0"/>
+              </a:solidFill>
+            </a:endParaRPr>
+          </a:p>
+          <a:p>
+            <a:endParaRPr lang="de-DE" sz="1800" dirty="0" smtClean="0">
+              <a:solidFill>
+                <a:schemeClr val="accent1"/>
+              </a:solidFill>
+            </a:endParaRPr>
+          </a:p>
+          <a:p>
+            <a:endParaRPr lang="de-DE" sz="1200" dirty="0">
+              <a:solidFill>
+                <a:schemeClr val="accent1"/>
+              </a:solidFill>
+            </a:endParaRPr>
+          </a:p>
+        </p:txBody>
+      </p:sp>
+      <p:sp>
+        <p:nvSpPr>
+          <p:cNvPr id="5" name="Titel 4"/>
+          <p:cNvSpPr>
+            <a:spLocks noGrp="1"/>
+          </p:cNvSpPr>
+          <p:nvPr>
+            <p:ph type="title"/>
+          </p:nvPr>
+        </p:nvSpPr>
+        <p:spPr/>
+        <p:txBody>
+          <a:bodyPr/>
+          <a:lstStyle/>
+          <a:p>
+            <a:r>
+              <a:rPr lang="de-DE" sz="1800" dirty="0" smtClean="0">
+                <a:solidFill>
+                  <a:srgbClr val="0A558C"/>
+                </a:solidFill>
+                <a:latin typeface="Calibri" panose="020F0502020204030204" pitchFamily="34" charset="0"/>
+                <a:cs typeface="Calibri" panose="020F0502020204030204" pitchFamily="34" charset="0"/>
+              </a:rPr>
+              <a:t>Aufbau der Schaltung</a:t>
+            </a:r>
+            <a:endParaRPr lang="de-DE" sz="1800" dirty="0">
+              <a:solidFill>
+                <a:srgbClr val="0A558C"/>
+              </a:solidFill>
+              <a:latin typeface="Calibri" panose="020F0502020204030204" pitchFamily="34" charset="0"/>
+              <a:cs typeface="Calibri" panose="020F0502020204030204" pitchFamily="34" charset="0"/>
+            </a:endParaRPr>
+          </a:p>
+        </p:txBody>
+      </p:sp>
     </p:spTree>
     <p:extLst>
       <p:ext uri="{BB962C8B-B14F-4D97-AF65-F5344CB8AC3E}">
-        <p14:creationId xmlns:p14="http://schemas.microsoft.com/office/powerpoint/2010/main" val="4102838616"/>
+        <p14:creationId xmlns:p14="http://schemas.microsoft.com/office/powerpoint/2010/main" val="1848537968"/>
       </p:ext>
     </p:extLst>
   </p:cSld>
@@ -11080,26 +11532,7 @@
       </p:grpSpPr>
       <p:sp>
         <p:nvSpPr>
-          <p:cNvPr id="2" name="Textplatzhalter 1"/>
-          <p:cNvSpPr>
-            <a:spLocks noGrp="1"/>
-          </p:cNvSpPr>
-          <p:nvPr>
-            <p:ph type="body"/>
-          </p:nvPr>
-        </p:nvSpPr>
-        <p:spPr/>
-        <p:txBody>
-          <a:bodyPr/>
-          <a:lstStyle/>
-          <a:p>
-            <a:endParaRPr lang="de-DE" dirty="0"/>
-          </a:p>
-        </p:txBody>
-      </p:sp>
-      <p:sp>
-        <p:nvSpPr>
-          <p:cNvPr id="5" name="Titel 4"/>
+          <p:cNvPr id="4" name="Titel 4"/>
           <p:cNvSpPr>
             <a:spLocks noGrp="1"/>
           </p:cNvSpPr>
@@ -11125,7 +11558,17 @@
                 <a:latin typeface="Calibri" panose="020F0502020204030204" pitchFamily="34" charset="0"/>
                 <a:cs typeface="Calibri" panose="020F0502020204030204" pitchFamily="34" charset="0"/>
               </a:rPr>
-              <a:t>Messaufbau der Schaltung</a:t>
+              <a:t>Simulation der </a:t>
+            </a:r>
+            <a:r>
+              <a:rPr lang="de-DE" sz="1800" dirty="0" smtClean="0">
+                <a:solidFill>
+                  <a:srgbClr val="0A558C"/>
+                </a:solidFill>
+                <a:latin typeface="Calibri" panose="020F0502020204030204" pitchFamily="34" charset="0"/>
+                <a:cs typeface="Calibri" panose="020F0502020204030204" pitchFamily="34" charset="0"/>
+              </a:rPr>
+              <a:t>Schaltung Leitungsregelung</a:t>
             </a:r>
             <a:endParaRPr lang="de-DE" sz="1800" dirty="0">
               <a:solidFill>
@@ -11139,58 +11582,22 @@
       </p:sp>
       <p:pic>
         <p:nvPicPr>
-          <p:cNvPr id="3" name="Grafik 2"/>
+          <p:cNvPr id="6" name="Grafik 5"/>
           <p:cNvPicPr>
             <a:picLocks noChangeAspect="1"/>
           </p:cNvPicPr>
           <p:nvPr/>
         </p:nvPicPr>
         <p:blipFill>
-          <a:blip r:embed="rId2" cstate="print">
-            <a:extLst>
-              <a:ext uri="{28A0092B-C50C-407E-A947-70E740481C1C}">
-                <a14:useLocalDpi xmlns:a14="http://schemas.microsoft.com/office/drawing/2010/main" val="0"/>
-              </a:ext>
-            </a:extLst>
-          </a:blip>
+          <a:blip r:embed="rId2"/>
           <a:stretch>
             <a:fillRect/>
           </a:stretch>
         </p:blipFill>
         <p:spPr>
           <a:xfrm>
-            <a:off x="6641757" y="841949"/>
-            <a:ext cx="2248803" cy="3997872"/>
-          </a:xfrm>
-          <a:prstGeom prst="rect">
-            <a:avLst/>
-          </a:prstGeom>
-        </p:spPr>
-      </p:pic>
-      <p:pic>
-        <p:nvPicPr>
-          <p:cNvPr id="4" name="Grafik 3"/>
-          <p:cNvPicPr>
-            <a:picLocks noChangeAspect="1"/>
-          </p:cNvPicPr>
-          <p:nvPr/>
-        </p:nvPicPr>
-        <p:blipFill>
-          <a:blip r:embed="rId3" cstate="print">
-            <a:extLst>
-              <a:ext uri="{28A0092B-C50C-407E-A947-70E740481C1C}">
-                <a14:useLocalDpi xmlns:a14="http://schemas.microsoft.com/office/drawing/2010/main" val="0"/>
-              </a:ext>
-            </a:extLst>
-          </a:blip>
-          <a:stretch>
-            <a:fillRect/>
-          </a:stretch>
-        </p:blipFill>
-        <p:spPr>
-          <a:xfrm>
-            <a:off x="4570740" y="1195182"/>
-            <a:ext cx="1851416" cy="3291406"/>
+            <a:off x="148247" y="1161886"/>
+            <a:ext cx="8844985" cy="3462666"/>
           </a:xfrm>
           <a:prstGeom prst="rect">
             <a:avLst/>
@@ -11200,7 +11607,7 @@
     </p:spTree>
     <p:extLst>
       <p:ext uri="{BB962C8B-B14F-4D97-AF65-F5344CB8AC3E}">
-        <p14:creationId xmlns:p14="http://schemas.microsoft.com/office/powerpoint/2010/main" val="3764119688"/>
+        <p14:creationId xmlns:p14="http://schemas.microsoft.com/office/powerpoint/2010/main" val="4102838616"/>
       </p:ext>
     </p:extLst>
   </p:cSld>
@@ -11234,46 +11641,6 @@
           <a:chExt cx="0" cy="0"/>
         </a:xfrm>
       </p:grpSpPr>
-      <p:sp>
-        <p:nvSpPr>
-          <p:cNvPr id="5" name="Titel 4"/>
-          <p:cNvSpPr>
-            <a:spLocks noGrp="1"/>
-          </p:cNvSpPr>
-          <p:nvPr>
-            <p:ph type="title"/>
-          </p:nvPr>
-        </p:nvSpPr>
-        <p:spPr>
-          <a:xfrm>
-            <a:off x="250920" y="592650"/>
-            <a:ext cx="8639640" cy="249299"/>
-          </a:xfrm>
-        </p:spPr>
-        <p:txBody>
-          <a:bodyPr/>
-          <a:lstStyle/>
-          <a:p>
-            <a:r>
-              <a:rPr lang="de-DE" sz="1800" dirty="0" smtClean="0">
-                <a:solidFill>
-                  <a:srgbClr val="0A558C"/>
-                </a:solidFill>
-                <a:latin typeface="Calibri" panose="020F0502020204030204" pitchFamily="34" charset="0"/>
-                <a:cs typeface="Calibri" panose="020F0502020204030204" pitchFamily="34" charset="0"/>
-              </a:rPr>
-              <a:t>Vergleich der Simulation und der Messung</a:t>
-            </a:r>
-            <a:endParaRPr lang="de-DE" sz="1800" dirty="0">
-              <a:solidFill>
-                <a:srgbClr val="0A558C"/>
-              </a:solidFill>
-              <a:latin typeface="Calibri" panose="020F0502020204030204" pitchFamily="34" charset="0"/>
-              <a:cs typeface="Calibri" panose="020F0502020204030204" pitchFamily="34" charset="0"/>
-            </a:endParaRPr>
-          </a:p>
-        </p:txBody>
-      </p:sp>
       <p:pic>
         <p:nvPicPr>
           <p:cNvPr id="3" name="Grafik 2"/>
@@ -11283,7 +11650,7 @@
           <p:nvPr/>
         </p:nvPicPr>
         <p:blipFill>
-          <a:blip r:embed="rId2">
+          <a:blip r:embed="rId2" cstate="print">
             <a:extLst>
               <a:ext uri="{28A0092B-C50C-407E-A947-70E740481C1C}">
                 <a14:useLocalDpi xmlns:a14="http://schemas.microsoft.com/office/drawing/2010/main" val="0"/>
@@ -11296,18 +11663,156 @@
         </p:blipFill>
         <p:spPr>
           <a:xfrm>
-            <a:off x="2192775" y="1376856"/>
-            <a:ext cx="4755930" cy="3566948"/>
+            <a:off x="6682126" y="920251"/>
+            <a:ext cx="2208434" cy="3926105"/>
           </a:xfrm>
           <a:prstGeom prst="rect">
             <a:avLst/>
           </a:prstGeom>
         </p:spPr>
       </p:pic>
+      <p:sp>
+        <p:nvSpPr>
+          <p:cNvPr id="5" name="Titel 4"/>
+          <p:cNvSpPr>
+            <a:spLocks noGrp="1"/>
+          </p:cNvSpPr>
+          <p:nvPr>
+            <p:ph type="title"/>
+          </p:nvPr>
+        </p:nvSpPr>
+        <p:spPr>
+          <a:xfrm>
+            <a:off x="250920" y="592650"/>
+            <a:ext cx="8639640" cy="249299"/>
+          </a:xfrm>
+        </p:spPr>
+        <p:txBody>
+          <a:bodyPr/>
+          <a:lstStyle/>
+          <a:p>
+            <a:r>
+              <a:rPr lang="de-DE" sz="1800" dirty="0" smtClean="0">
+                <a:solidFill>
+                  <a:srgbClr val="0A558C"/>
+                </a:solidFill>
+                <a:latin typeface="Calibri" panose="020F0502020204030204" pitchFamily="34" charset="0"/>
+                <a:cs typeface="Calibri" panose="020F0502020204030204" pitchFamily="34" charset="0"/>
+              </a:rPr>
+              <a:t>Messaufbau der </a:t>
+            </a:r>
+            <a:r>
+              <a:rPr lang="de-DE" sz="1800" dirty="0">
+                <a:solidFill>
+                  <a:srgbClr val="0A558C"/>
+                </a:solidFill>
+                <a:latin typeface="Calibri" panose="020F0502020204030204" pitchFamily="34" charset="0"/>
+                <a:cs typeface="Calibri" panose="020F0502020204030204" pitchFamily="34" charset="0"/>
+              </a:rPr>
+              <a:t>Schaltung Leitungsregelung</a:t>
+            </a:r>
+            <a:endParaRPr lang="de-DE" sz="1800" dirty="0">
+              <a:solidFill>
+                <a:srgbClr val="0A558C"/>
+              </a:solidFill>
+              <a:latin typeface="Calibri" panose="020F0502020204030204" pitchFamily="34" charset="0"/>
+              <a:cs typeface="Calibri" panose="020F0502020204030204" pitchFamily="34" charset="0"/>
+            </a:endParaRPr>
+          </a:p>
+        </p:txBody>
+      </p:sp>
+      <p:pic>
+        <p:nvPicPr>
+          <p:cNvPr id="4" name="Grafik 3"/>
+          <p:cNvPicPr>
+            <a:picLocks noChangeAspect="1"/>
+          </p:cNvPicPr>
+          <p:nvPr/>
+        </p:nvPicPr>
+        <p:blipFill>
+          <a:blip r:embed="rId3" cstate="print">
+            <a:extLst>
+              <a:ext uri="{28A0092B-C50C-407E-A947-70E740481C1C}">
+                <a14:useLocalDpi xmlns:a14="http://schemas.microsoft.com/office/drawing/2010/main" val="0"/>
+              </a:ext>
+            </a:extLst>
+          </a:blip>
+          <a:stretch>
+            <a:fillRect/>
+          </a:stretch>
+        </p:blipFill>
+        <p:spPr>
+          <a:xfrm>
+            <a:off x="3466523" y="920251"/>
+            <a:ext cx="2208434" cy="3926105"/>
+          </a:xfrm>
+          <a:prstGeom prst="rect">
+            <a:avLst/>
+          </a:prstGeom>
+        </p:spPr>
+      </p:pic>
+      <p:sp>
+        <p:nvSpPr>
+          <p:cNvPr id="6" name="Textplatzhalter 5"/>
+          <p:cNvSpPr>
+            <a:spLocks noGrp="1"/>
+          </p:cNvSpPr>
+          <p:nvPr>
+            <p:ph type="body"/>
+          </p:nvPr>
+        </p:nvSpPr>
+        <p:spPr>
+          <a:xfrm>
+            <a:off x="376482" y="1069435"/>
+            <a:ext cx="2964434" cy="2114247"/>
+          </a:xfrm>
+        </p:spPr>
+        <p:txBody>
+          <a:bodyPr>
+            <a:normAutofit/>
+          </a:bodyPr>
+          <a:lstStyle/>
+          <a:p>
+            <a:r>
+              <a:rPr lang="de-DE" sz="1800" dirty="0" smtClean="0">
+                <a:solidFill>
+                  <a:srgbClr val="0070C0"/>
+                </a:solidFill>
+              </a:rPr>
+              <a:t>Spannungsquelle</a:t>
+            </a:r>
+          </a:p>
+          <a:p>
+            <a:r>
+              <a:rPr lang="de-DE" sz="1800" dirty="0" smtClean="0">
+                <a:solidFill>
+                  <a:srgbClr val="0070C0"/>
+                </a:solidFill>
+              </a:rPr>
+              <a:t>Voltmeter</a:t>
+            </a:r>
+          </a:p>
+          <a:p>
+            <a:r>
+              <a:rPr lang="de-DE" sz="1800" dirty="0" smtClean="0">
+                <a:solidFill>
+                  <a:srgbClr val="0070C0"/>
+                </a:solidFill>
+              </a:rPr>
+              <a:t>Kabel und Klemmen</a:t>
+            </a:r>
+            <a:endParaRPr lang="de-DE" sz="1800" dirty="0">
+              <a:solidFill>
+                <a:srgbClr val="0070C0"/>
+              </a:solidFill>
+            </a:endParaRPr>
+          </a:p>
+        </p:txBody>
+      </p:sp>
     </p:spTree>
     <p:extLst>
       <p:ext uri="{BB962C8B-B14F-4D97-AF65-F5344CB8AC3E}">
-        <p14:creationId xmlns:p14="http://schemas.microsoft.com/office/powerpoint/2010/main" val="939460347"/>
+        <p14:creationId xmlns:p14="http://schemas.microsoft.com/office/powerpoint/2010/main" val="3764119688"/>
       </p:ext>
     </p:extLst>
   </p:cSld>
@@ -11343,7 +11848,7 @@
       </p:grpSpPr>
       <p:sp>
         <p:nvSpPr>
-          <p:cNvPr id="12" name="Titel 4"/>
+          <p:cNvPr id="5" name="Titel 4"/>
           <p:cNvSpPr>
             <a:spLocks noGrp="1"/>
           </p:cNvSpPr>
@@ -11369,7 +11874,17 @@
                 <a:latin typeface="Calibri" panose="020F0502020204030204" pitchFamily="34" charset="0"/>
                 <a:cs typeface="Calibri" panose="020F0502020204030204" pitchFamily="34" charset="0"/>
               </a:rPr>
-              <a:t>Simulation der Schaltung Teil 2</a:t>
+              <a:t>Vergleich der Simulation und der </a:t>
+            </a:r>
+            <a:r>
+              <a:rPr lang="de-DE" sz="1800" dirty="0">
+                <a:solidFill>
+                  <a:srgbClr val="0A558C"/>
+                </a:solidFill>
+                <a:latin typeface="Calibri" panose="020F0502020204030204" pitchFamily="34" charset="0"/>
+                <a:cs typeface="Calibri" panose="020F0502020204030204" pitchFamily="34" charset="0"/>
+              </a:rPr>
+              <a:t>Messung - Leitungsregelung</a:t>
             </a:r>
             <a:endParaRPr lang="de-DE" sz="1800" dirty="0">
               <a:solidFill>
@@ -11383,22 +11898,28 @@
       </p:sp>
       <p:pic>
         <p:nvPicPr>
-          <p:cNvPr id="14" name="Grafik 13"/>
+          <p:cNvPr id="2" name="Grafik 1"/>
           <p:cNvPicPr>
             <a:picLocks noChangeAspect="1"/>
           </p:cNvPicPr>
           <p:nvPr/>
         </p:nvPicPr>
         <p:blipFill>
-          <a:blip r:embed="rId2"/>
+          <a:blip r:embed="rId2">
+            <a:extLst>
+              <a:ext uri="{28A0092B-C50C-407E-A947-70E740481C1C}">
+                <a14:useLocalDpi xmlns:a14="http://schemas.microsoft.com/office/drawing/2010/main" val="0"/>
+              </a:ext>
+            </a:extLst>
+          </a:blip>
           <a:stretch>
             <a:fillRect/>
           </a:stretch>
         </p:blipFill>
         <p:spPr>
           <a:xfrm>
-            <a:off x="947873" y="923530"/>
-            <a:ext cx="7245733" cy="3940952"/>
+            <a:off x="1904073" y="939612"/>
+            <a:ext cx="5333333" cy="4000000"/>
           </a:xfrm>
           <a:prstGeom prst="rect">
             <a:avLst/>
@@ -11408,7 +11929,7 @@
     </p:spTree>
     <p:extLst>
       <p:ext uri="{BB962C8B-B14F-4D97-AF65-F5344CB8AC3E}">
-        <p14:creationId xmlns:p14="http://schemas.microsoft.com/office/powerpoint/2010/main" val="3358317029"/>
+        <p14:creationId xmlns:p14="http://schemas.microsoft.com/office/powerpoint/2010/main" val="939460347"/>
       </p:ext>
     </p:extLst>
   </p:cSld>

--- a/docs/img/Experiment_11/Präsentation_ANS_LDO.pptx
+++ b/docs/img/Experiment_11/Präsentation_ANS_LDO.pptx
@@ -9666,7 +9666,7 @@
     <mc:Choice Requires="p14">
       <p:transition spd="slow" p14:dur="2000"/>
     </mc:Choice>
-    <mc:Fallback xmlns:p15="http://schemas.microsoft.com/office/powerpoint/2012/main" xmlns="">
+    <mc:Fallback xmlns="" xmlns:p15="http://schemas.microsoft.com/office/powerpoint/2012/main">
       <p:transition spd="slow"/>
     </mc:Fallback>
   </mc:AlternateContent>
@@ -9725,17 +9725,7 @@
                 <a:latin typeface="Calibri" panose="020F0502020204030204" pitchFamily="34" charset="0"/>
                 <a:cs typeface="Calibri" panose="020F0502020204030204" pitchFamily="34" charset="0"/>
               </a:rPr>
-              <a:t>Simulation der Schaltung </a:t>
-            </a:r>
-            <a:r>
-              <a:rPr lang="de-DE" sz="1800" dirty="0" smtClean="0">
-                <a:solidFill>
-                  <a:srgbClr val="0A558C"/>
-                </a:solidFill>
-                <a:latin typeface="Calibri" panose="020F0502020204030204" pitchFamily="34" charset="0"/>
-                <a:cs typeface="Calibri" panose="020F0502020204030204" pitchFamily="34" charset="0"/>
-              </a:rPr>
-              <a:t>- Lastregelung</a:t>
+              <a:t>Simulation der Schaltung - Lastregelung</a:t>
             </a:r>
             <a:endParaRPr lang="de-DE" sz="1800" dirty="0">
               <a:solidFill>
@@ -9840,6 +9830,69 @@
       </p:pic>
       <p:sp>
         <p:nvSpPr>
+          <p:cNvPr id="4" name="Textplatzhalter 3"/>
+          <p:cNvSpPr>
+            <a:spLocks noGrp="1"/>
+          </p:cNvSpPr>
+          <p:nvPr>
+            <p:ph type="body"/>
+          </p:nvPr>
+        </p:nvSpPr>
+        <p:spPr/>
+        <p:txBody>
+          <a:bodyPr>
+            <a:normAutofit/>
+          </a:bodyPr>
+          <a:lstStyle/>
+          <a:p>
+            <a:r>
+              <a:rPr lang="de-DE" sz="1800" dirty="0" smtClean="0">
+                <a:solidFill>
+                  <a:srgbClr val="0070C0"/>
+                </a:solidFill>
+              </a:rPr>
+              <a:t>Voltmeter</a:t>
+            </a:r>
+          </a:p>
+          <a:p>
+            <a:r>
+              <a:rPr lang="de-DE" sz="1800" dirty="0" smtClean="0">
+                <a:solidFill>
+                  <a:srgbClr val="0070C0"/>
+                </a:solidFill>
+              </a:rPr>
+              <a:t>Amperemeter</a:t>
+            </a:r>
+          </a:p>
+          <a:p>
+            <a:r>
+              <a:rPr lang="de-DE" sz="1800" dirty="0" smtClean="0">
+                <a:solidFill>
+                  <a:srgbClr val="0070C0"/>
+                </a:solidFill>
+              </a:rPr>
+              <a:t>Spannungsquelle</a:t>
+            </a:r>
+          </a:p>
+          <a:p>
+            <a:r>
+              <a:rPr lang="de-DE" sz="1800" dirty="0" smtClean="0">
+                <a:solidFill>
+                  <a:srgbClr val="0070C0"/>
+                </a:solidFill>
+              </a:rPr>
+              <a:t>Widerstandsdekade</a:t>
+            </a:r>
+            <a:endParaRPr lang="de-DE" sz="1800" dirty="0">
+              <a:solidFill>
+                <a:srgbClr val="0070C0"/>
+              </a:solidFill>
+            </a:endParaRPr>
+          </a:p>
+        </p:txBody>
+      </p:sp>
+      <p:sp>
+        <p:nvSpPr>
           <p:cNvPr id="5" name="Titel 4"/>
           <p:cNvSpPr>
             <a:spLocks noGrp="1"/>
@@ -9848,12 +9901,7 @@
             <p:ph type="title"/>
           </p:nvPr>
         </p:nvSpPr>
-        <p:spPr>
-          <a:xfrm>
-            <a:off x="250920" y="592650"/>
-            <a:ext cx="8639640" cy="249299"/>
-          </a:xfrm>
-        </p:spPr>
+        <p:spPr/>
         <p:txBody>
           <a:bodyPr/>
           <a:lstStyle/>
@@ -9878,76 +9926,6 @@
               </a:rPr>
               <a:t>- Lastregelung</a:t>
             </a:r>
-            <a:endParaRPr lang="de-DE" sz="1800" dirty="0">
-              <a:solidFill>
-                <a:srgbClr val="0A558C"/>
-              </a:solidFill>
-              <a:latin typeface="Calibri" panose="020F0502020204030204" pitchFamily="34" charset="0"/>
-              <a:cs typeface="Calibri" panose="020F0502020204030204" pitchFamily="34" charset="0"/>
-            </a:endParaRPr>
-          </a:p>
-        </p:txBody>
-      </p:sp>
-      <p:sp>
-        <p:nvSpPr>
-          <p:cNvPr id="4" name="Textplatzhalter 3"/>
-          <p:cNvSpPr>
-            <a:spLocks noGrp="1"/>
-          </p:cNvSpPr>
-          <p:nvPr>
-            <p:ph type="body"/>
-          </p:nvPr>
-        </p:nvSpPr>
-        <p:spPr/>
-        <p:txBody>
-          <a:bodyPr>
-            <a:normAutofit/>
-          </a:bodyPr>
-          <a:lstStyle/>
-          <a:p>
-            <a:r>
-              <a:rPr lang="de-DE" sz="1800" dirty="0" smtClean="0">
-                <a:solidFill>
-                  <a:srgbClr val="0070C0"/>
-                </a:solidFill>
-              </a:rPr>
-              <a:t>Voltmeter</a:t>
-            </a:r>
-          </a:p>
-          <a:p>
-            <a:r>
-              <a:rPr lang="de-DE" sz="1800" dirty="0" smtClean="0">
-                <a:solidFill>
-                  <a:srgbClr val="0070C0"/>
-                </a:solidFill>
-              </a:rPr>
-              <a:t>Amperemeter</a:t>
-            </a:r>
-          </a:p>
-          <a:p>
-            <a:r>
-              <a:rPr lang="de-DE" sz="1800" dirty="0" smtClean="0">
-                <a:solidFill>
-                  <a:srgbClr val="0070C0"/>
-                </a:solidFill>
-              </a:rPr>
-              <a:t>Spannungsquelle</a:t>
-            </a:r>
-          </a:p>
-          <a:p>
-            <a:r>
-              <a:rPr lang="de-DE" sz="1800" dirty="0" smtClean="0">
-                <a:solidFill>
-                  <a:srgbClr val="0070C0"/>
-                </a:solidFill>
-              </a:rPr>
-              <a:t>Widerstandsdekade</a:t>
-            </a:r>
-            <a:endParaRPr lang="de-DE" sz="1800" dirty="0">
-              <a:solidFill>
-                <a:srgbClr val="0070C0"/>
-              </a:solidFill>
-            </a:endParaRPr>
           </a:p>
         </p:txBody>
       </p:sp>
@@ -10028,13 +10006,6 @@
               </a:rPr>
               <a:t>Messung - Lastregelung</a:t>
             </a:r>
-            <a:endParaRPr lang="de-DE" sz="1800" dirty="0">
-              <a:solidFill>
-                <a:srgbClr val="0A558C"/>
-              </a:solidFill>
-              <a:latin typeface="Calibri" panose="020F0502020204030204" pitchFamily="34" charset="0"/>
-              <a:cs typeface="Calibri" panose="020F0502020204030204" pitchFamily="34" charset="0"/>
-            </a:endParaRPr>
           </a:p>
         </p:txBody>
       </p:sp>
@@ -10107,7 +10078,7 @@
       </p:grpSpPr>
       <p:sp>
         <p:nvSpPr>
-          <p:cNvPr id="4" name="Textplatzhalter 3"/>
+          <p:cNvPr id="2" name="Textplatzhalter 1"/>
           <p:cNvSpPr>
             <a:spLocks noGrp="1"/>
           </p:cNvSpPr>
@@ -10117,10 +10088,12 @@
         </p:nvSpPr>
         <p:spPr/>
         <p:txBody>
-          <a:bodyPr/>
-          <a:lstStyle/>
-          <a:p>
-            <a:endParaRPr lang="de-DE" dirty="0"/>
+          <a:bodyPr>
+            <a:normAutofit/>
+          </a:bodyPr>
+          <a:lstStyle/>
+          <a:p>
+            <a:endParaRPr lang="de-DE" sz="1800" dirty="0"/>
           </a:p>
         </p:txBody>
       </p:sp>
@@ -10198,7 +10171,7 @@
       </p:grpSpPr>
       <p:sp>
         <p:nvSpPr>
-          <p:cNvPr id="2" name="Textplatzhalter 1"/>
+          <p:cNvPr id="3" name="Textplatzhalter 2"/>
           <p:cNvSpPr>
             <a:spLocks noGrp="1"/>
           </p:cNvSpPr>
@@ -10208,10 +10181,55 @@
         </p:nvSpPr>
         <p:spPr/>
         <p:txBody>
-          <a:bodyPr/>
-          <a:lstStyle/>
-          <a:p>
-            <a:endParaRPr lang="de-DE"/>
+          <a:bodyPr>
+            <a:normAutofit/>
+          </a:bodyPr>
+          <a:lstStyle/>
+          <a:p>
+            <a:r>
+              <a:rPr lang="de-DE" sz="1600" dirty="0"/>
+              <a:t>https://www.elektronikpraxis.vogel.de/linearregler-verstehen-und-ihre-performance-parameter-kennen-a-526662</a:t>
+            </a:r>
+            <a:r>
+              <a:rPr lang="de-DE" sz="1600" dirty="0" smtClean="0"/>
+              <a:t>/</a:t>
+            </a:r>
+          </a:p>
+          <a:p>
+            <a:r>
+              <a:rPr lang="de-DE" sz="1600" dirty="0"/>
+              <a:t>https://</a:t>
+            </a:r>
+            <a:r>
+              <a:rPr lang="de-DE" sz="1600" dirty="0" smtClean="0"/>
+              <a:t>www.analog.com/en/analog-dialogue/articles/low-dropout-regulators.html</a:t>
+            </a:r>
+          </a:p>
+          <a:p>
+            <a:r>
+              <a:rPr lang="de-DE" sz="1600" dirty="0"/>
+              <a:t>https://</a:t>
+            </a:r>
+            <a:r>
+              <a:rPr lang="de-DE" sz="1600" dirty="0" smtClean="0"/>
+              <a:t>www.elektronik-kompendium.de/public/schaerer/uregspec.htm</a:t>
+            </a:r>
+          </a:p>
+          <a:p>
+            <a:r>
+              <a:rPr lang="de-DE" sz="1600" dirty="0"/>
+              <a:t>https://</a:t>
+            </a:r>
+            <a:r>
+              <a:rPr lang="de-DE" sz="1600" dirty="0" smtClean="0"/>
+              <a:t>www.fh-dortmund.de/de/fb/3/personen/lehr/karagounis/medien/Deniz-Bachelorarbeit.pdf</a:t>
+            </a:r>
+          </a:p>
+          <a:p>
+            <a:endParaRPr lang="de-DE" sz="1600" dirty="0" smtClean="0"/>
+          </a:p>
+          <a:p>
+            <a:endParaRPr lang="de-DE" sz="1600" dirty="0"/>
           </a:p>
         </p:txBody>
       </p:sp>
@@ -10225,12 +10243,7 @@
             <p:ph type="title"/>
           </p:nvPr>
         </p:nvSpPr>
-        <p:spPr>
-          <a:xfrm>
-            <a:off x="250920" y="592650"/>
-            <a:ext cx="8639640" cy="249299"/>
-          </a:xfrm>
-        </p:spPr>
+        <p:spPr/>
         <p:txBody>
           <a:bodyPr/>
           <a:lstStyle/>
@@ -10331,13 +10344,37 @@
               <a:buAutoNum type="arabicPlain"/>
             </a:pPr>
             <a:r>
-              <a:rPr lang="de-DE" sz="1400" b="0" strike="noStrike" spc="-1" dirty="0">
+              <a:rPr lang="de-DE" sz="1400" b="0" strike="noStrike" spc="-1" dirty="0" smtClean="0">
                 <a:solidFill>
                   <a:srgbClr val="FFFFFF"/>
                 </a:solidFill>
                 <a:latin typeface="Calibri"/>
               </a:rPr>
               <a:t>Einleitung</a:t>
+            </a:r>
+          </a:p>
+          <a:p>
+            <a:pPr marL="360000" indent="-359640">
+              <a:lnSpc>
+                <a:spcPct val="100000"/>
+              </a:lnSpc>
+              <a:spcBef>
+                <a:spcPts val="201"/>
+              </a:spcBef>
+              <a:buClr>
+                <a:srgbClr val="FFFFFF"/>
+              </a:buClr>
+              <a:buFont typeface="StarSymbol"/>
+              <a:buAutoNum type="arabicPlain"/>
+            </a:pPr>
+            <a:r>
+              <a:rPr lang="de-DE" sz="1400" spc="-1" dirty="0" smtClean="0">
+                <a:solidFill>
+                  <a:srgbClr val="FFFFFF"/>
+                </a:solidFill>
+                <a:latin typeface="Calibri"/>
+              </a:rPr>
+              <a:t>LDO Aufbau &amp; Funktionsweise</a:t>
             </a:r>
             <a:endParaRPr lang="de-DE" sz="1400" b="0" strike="noStrike" spc="-1" dirty="0">
               <a:solidFill>
@@ -10378,6 +10415,143 @@
           </a:p>
           <a:p>
             <a:pPr marL="360000" indent="-359640">
+              <a:spcBef>
+                <a:spcPts val="201"/>
+              </a:spcBef>
+              <a:buClr>
+                <a:srgbClr val="FFFFFF"/>
+              </a:buClr>
+              <a:buFont typeface="StarSymbol"/>
+              <a:buAutoNum type="arabicPlain"/>
+            </a:pPr>
+            <a:r>
+              <a:rPr lang="de-DE" sz="1400" spc="-1" dirty="0">
+                <a:solidFill>
+                  <a:srgbClr val="FFFFFF"/>
+                </a:solidFill>
+                <a:latin typeface="Calibri"/>
+              </a:rPr>
+              <a:t>Aufbau der </a:t>
+            </a:r>
+            <a:r>
+              <a:rPr lang="de-DE" sz="1400" spc="-1" dirty="0" smtClean="0">
+                <a:solidFill>
+                  <a:srgbClr val="FFFFFF"/>
+                </a:solidFill>
+                <a:latin typeface="Calibri"/>
+              </a:rPr>
+              <a:t>Schaltung</a:t>
+            </a:r>
+          </a:p>
+          <a:p>
+            <a:pPr marL="360000" indent="-359640">
+              <a:spcBef>
+                <a:spcPts val="201"/>
+              </a:spcBef>
+              <a:buClr>
+                <a:srgbClr val="FFFFFF"/>
+              </a:buClr>
+              <a:buFont typeface="StarSymbol"/>
+              <a:buAutoNum type="arabicPlain"/>
+            </a:pPr>
+            <a:r>
+              <a:rPr lang="de-DE" sz="1400" spc="-1" dirty="0" smtClean="0">
+                <a:solidFill>
+                  <a:srgbClr val="FFFFFF"/>
+                </a:solidFill>
+                <a:latin typeface="Calibri"/>
+              </a:rPr>
+              <a:t>Leitungsregelung</a:t>
+            </a:r>
+          </a:p>
+          <a:p>
+            <a:pPr marL="817200" lvl="1" indent="-359640">
+              <a:spcBef>
+                <a:spcPts val="201"/>
+              </a:spcBef>
+              <a:buClr>
+                <a:srgbClr val="FFFFFF"/>
+              </a:buClr>
+              <a:buFont typeface="Arial" panose="020B0604020202020204" pitchFamily="34" charset="0"/>
+              <a:buChar char="•"/>
+            </a:pPr>
+            <a:r>
+              <a:rPr lang="de-DE" sz="1400" dirty="0">
+                <a:solidFill>
+                  <a:schemeClr val="bg1"/>
+                </a:solidFill>
+                <a:latin typeface="Calibri" panose="020F0502020204030204" pitchFamily="34" charset="0"/>
+                <a:cs typeface="Calibri" panose="020F0502020204030204" pitchFamily="34" charset="0"/>
+              </a:rPr>
+              <a:t>Simulation der Schaltung </a:t>
+            </a:r>
+            <a:endParaRPr lang="de-DE" sz="1400" dirty="0" smtClean="0">
+              <a:solidFill>
+                <a:schemeClr val="bg1"/>
+              </a:solidFill>
+              <a:latin typeface="Calibri" panose="020F0502020204030204" pitchFamily="34" charset="0"/>
+              <a:cs typeface="Calibri" panose="020F0502020204030204" pitchFamily="34" charset="0"/>
+            </a:endParaRPr>
+          </a:p>
+          <a:p>
+            <a:pPr marL="817200" lvl="1" indent="-359640">
+              <a:spcBef>
+                <a:spcPts val="201"/>
+              </a:spcBef>
+              <a:buClr>
+                <a:srgbClr val="FFFFFF"/>
+              </a:buClr>
+              <a:buFont typeface="Arial" panose="020B0604020202020204" pitchFamily="34" charset="0"/>
+              <a:buChar char="•"/>
+            </a:pPr>
+            <a:r>
+              <a:rPr lang="de-DE" sz="1400" spc="-1" dirty="0">
+                <a:solidFill>
+                  <a:srgbClr val="FFFFFF"/>
+                </a:solidFill>
+                <a:latin typeface="Calibri"/>
+              </a:rPr>
+              <a:t>Messaufbau</a:t>
+            </a:r>
+          </a:p>
+          <a:p>
+            <a:pPr marL="817200" lvl="1" indent="-359640">
+              <a:spcBef>
+                <a:spcPts val="201"/>
+              </a:spcBef>
+              <a:buClr>
+                <a:srgbClr val="FFFFFF"/>
+              </a:buClr>
+              <a:buFont typeface="Arial" panose="020B0604020202020204" pitchFamily="34" charset="0"/>
+              <a:buChar char="•"/>
+            </a:pPr>
+            <a:r>
+              <a:rPr lang="de-DE" sz="1400" spc="-1" dirty="0">
+                <a:solidFill>
+                  <a:srgbClr val="FFFFFF"/>
+                </a:solidFill>
+                <a:latin typeface="Calibri"/>
+              </a:rPr>
+              <a:t>Vergleich der Simulation und des </a:t>
+            </a:r>
+            <a:r>
+              <a:rPr lang="de-DE" sz="1400" spc="-1" dirty="0" smtClean="0">
+                <a:solidFill>
+                  <a:srgbClr val="FFFFFF"/>
+                </a:solidFill>
+                <a:latin typeface="Calibri"/>
+              </a:rPr>
+              <a:t>Messaufbaus</a:t>
+            </a:r>
+            <a:endParaRPr lang="de-DE" sz="1400" b="0" strike="noStrike" spc="-1" dirty="0" smtClean="0">
+              <a:solidFill>
+                <a:srgbClr val="FFFFFF"/>
+              </a:solidFill>
+              <a:latin typeface="Calibri"/>
+            </a:endParaRPr>
+          </a:p>
+          <a:p>
+            <a:pPr marL="360000" indent="-359640">
               <a:lnSpc>
                 <a:spcPct val="100000"/>
               </a:lnSpc>
@@ -10391,13 +10565,86 @@
               <a:buAutoNum type="arabicPlain"/>
             </a:pPr>
             <a:r>
-              <a:rPr lang="de-DE" sz="1400" b="0" strike="noStrike" spc="-1" dirty="0">
+              <a:rPr lang="de-DE" sz="1400" spc="-1" dirty="0" smtClean="0">
                 <a:solidFill>
                   <a:srgbClr val="FFFFFF"/>
                 </a:solidFill>
                 <a:latin typeface="Calibri"/>
               </a:rPr>
-              <a:t>Simulation der Schaltung</a:t>
+              <a:t>Lastregelung</a:t>
+            </a:r>
+          </a:p>
+          <a:p>
+            <a:pPr marL="817200" lvl="1" indent="-359640">
+              <a:spcBef>
+                <a:spcPts val="201"/>
+              </a:spcBef>
+              <a:buClr>
+                <a:srgbClr val="FFFFFF"/>
+              </a:buClr>
+              <a:buFont typeface="Arial" panose="020B0604020202020204" pitchFamily="34" charset="0"/>
+              <a:buChar char="•"/>
+            </a:pPr>
+            <a:r>
+              <a:rPr lang="de-DE" sz="1400" dirty="0">
+                <a:solidFill>
+                  <a:schemeClr val="bg1"/>
+                </a:solidFill>
+                <a:latin typeface="Calibri" panose="020F0502020204030204" pitchFamily="34" charset="0"/>
+                <a:cs typeface="Calibri" panose="020F0502020204030204" pitchFamily="34" charset="0"/>
+              </a:rPr>
+              <a:t>Simulation der Schaltung </a:t>
+            </a:r>
+          </a:p>
+          <a:p>
+            <a:pPr marL="817200" lvl="1" indent="-359640">
+              <a:spcBef>
+                <a:spcPts val="201"/>
+              </a:spcBef>
+              <a:buClr>
+                <a:srgbClr val="FFFFFF"/>
+              </a:buClr>
+              <a:buFont typeface="Arial" panose="020B0604020202020204" pitchFamily="34" charset="0"/>
+              <a:buChar char="•"/>
+            </a:pPr>
+            <a:r>
+              <a:rPr lang="de-DE" sz="1400" spc="-1" dirty="0">
+                <a:solidFill>
+                  <a:srgbClr val="FFFFFF"/>
+                </a:solidFill>
+                <a:latin typeface="Calibri"/>
+              </a:rPr>
+              <a:t>Messaufbau</a:t>
+            </a:r>
+          </a:p>
+          <a:p>
+            <a:pPr marL="817200" lvl="1" indent="-359640">
+              <a:spcBef>
+                <a:spcPts val="201"/>
+              </a:spcBef>
+              <a:buClr>
+                <a:srgbClr val="FFFFFF"/>
+              </a:buClr>
+              <a:buFont typeface="Arial" panose="020B0604020202020204" pitchFamily="34" charset="0"/>
+              <a:buChar char="•"/>
+            </a:pPr>
+            <a:r>
+              <a:rPr lang="de-DE" sz="1400" spc="-1" dirty="0">
+                <a:solidFill>
+                  <a:srgbClr val="FFFFFF"/>
+                </a:solidFill>
+                <a:latin typeface="Calibri"/>
+              </a:rPr>
+              <a:t>Vergleich der Simulation und des </a:t>
+            </a:r>
+            <a:r>
+              <a:rPr lang="de-DE" sz="1400" spc="-1" dirty="0" smtClean="0">
+                <a:solidFill>
+                  <a:srgbClr val="FFFFFF"/>
+                </a:solidFill>
+                <a:latin typeface="Calibri"/>
+              </a:rPr>
+              <a:t>Messaufbaus</a:t>
             </a:r>
             <a:endParaRPr lang="de-DE" sz="1400" b="0" strike="noStrike" spc="-1" dirty="0">
               <a:solidFill>
@@ -10427,14 +10674,17 @@
                 </a:solidFill>
                 <a:latin typeface="Calibri"/>
               </a:rPr>
-              <a:t>Aufbau der Schaltung</a:t>
+              <a:t>Fazit / </a:t>
             </a:r>
-            <a:endParaRPr lang="de-DE" sz="1400" b="0" strike="noStrike" spc="-1" dirty="0">
-              <a:solidFill>
-                <a:srgbClr val="0A558C"/>
-              </a:solidFill>
-              <a:latin typeface="Calibri"/>
-            </a:endParaRPr>
+            <a:r>
+              <a:rPr lang="de-DE" sz="1400" b="0" strike="noStrike" spc="-1" dirty="0" smtClean="0">
+                <a:solidFill>
+                  <a:srgbClr val="FFFFFF"/>
+                </a:solidFill>
+                <a:latin typeface="Calibri"/>
+              </a:rPr>
+              <a:t>Reflexion</a:t>
+            </a:r>
           </a:p>
           <a:p>
             <a:pPr marL="360000" indent="-359640">
@@ -10451,127 +10701,13 @@
               <a:buAutoNum type="arabicPlain"/>
             </a:pPr>
             <a:r>
-              <a:rPr lang="de-DE" sz="1400" b="0" strike="noStrike" spc="-1" dirty="0">
+              <a:rPr lang="de-DE" sz="1400" spc="-1" dirty="0" smtClean="0">
                 <a:solidFill>
                   <a:srgbClr val="FFFFFF"/>
                 </a:solidFill>
                 <a:latin typeface="Calibri"/>
               </a:rPr>
-              <a:t>Testen der Schaltung</a:t>
-            </a:r>
-            <a:endParaRPr lang="de-DE" sz="1400" b="0" strike="noStrike" spc="-1" dirty="0">
-              <a:solidFill>
-                <a:srgbClr val="0A558C"/>
-              </a:solidFill>
-              <a:latin typeface="Calibri"/>
-            </a:endParaRPr>
-          </a:p>
-          <a:p>
-            <a:pPr marL="539640" lvl="1">
-              <a:spcBef>
-                <a:spcPts val="1134"/>
-              </a:spcBef>
-              <a:buClr>
-                <a:srgbClr val="FFFFFF"/>
-              </a:buClr>
-              <a:buFont typeface="Symbol" charset="2"/>
-              <a:buChar char=""/>
-            </a:pPr>
-            <a:r>
-              <a:rPr lang="de-DE" sz="1400" b="0" strike="noStrike" spc="-1" dirty="0">
-                <a:solidFill>
-                  <a:srgbClr val="FFFFFF"/>
-                </a:solidFill>
-                <a:latin typeface="Calibri"/>
-              </a:rPr>
-              <a:t> Messaufbau</a:t>
-            </a:r>
-            <a:endParaRPr lang="de-DE" sz="1400" b="0" strike="noStrike" spc="-1" dirty="0">
-              <a:solidFill>
-                <a:srgbClr val="0A558C"/>
-              </a:solidFill>
-              <a:latin typeface="Calibri"/>
-            </a:endParaRPr>
-          </a:p>
-          <a:p>
-            <a:pPr marL="539640" lvl="1">
-              <a:spcBef>
-                <a:spcPts val="1134"/>
-              </a:spcBef>
-              <a:buClr>
-                <a:srgbClr val="FFFFFF"/>
-              </a:buClr>
-              <a:buFont typeface="Symbol" charset="2"/>
-              <a:buChar char=""/>
-            </a:pPr>
-            <a:r>
-              <a:rPr lang="de-DE" sz="1400" b="0" strike="noStrike" spc="-1" dirty="0">
-                <a:solidFill>
-                  <a:srgbClr val="FFFFFF"/>
-                </a:solidFill>
-                <a:latin typeface="Calibri"/>
-              </a:rPr>
-              <a:t> Aufnahme der Messungen</a:t>
-            </a:r>
-            <a:endParaRPr lang="de-DE" sz="1400" b="0" strike="noStrike" spc="-1" dirty="0">
-              <a:solidFill>
-                <a:srgbClr val="0A558C"/>
-              </a:solidFill>
-              <a:latin typeface="Calibri"/>
-            </a:endParaRPr>
-          </a:p>
-          <a:p>
-            <a:pPr marL="360000" indent="-359640">
-              <a:lnSpc>
-                <a:spcPct val="100000"/>
-              </a:lnSpc>
-              <a:spcBef>
-                <a:spcPts val="201"/>
-              </a:spcBef>
-              <a:buClr>
-                <a:srgbClr val="FFFFFF"/>
-              </a:buClr>
-              <a:buFont typeface="StarSymbol"/>
-              <a:buAutoNum type="arabicPlain"/>
-            </a:pPr>
-            <a:r>
-              <a:rPr lang="de-DE" sz="1400" b="0" strike="noStrike" spc="-1" dirty="0">
-                <a:solidFill>
-                  <a:srgbClr val="FFFFFF"/>
-                </a:solidFill>
-                <a:latin typeface="Calibri"/>
-              </a:rPr>
-              <a:t>Vergleich der Simulation und des Messaufbaus</a:t>
-            </a:r>
-            <a:endParaRPr lang="de-DE" sz="1400" b="0" strike="noStrike" spc="-1" dirty="0">
-              <a:solidFill>
-                <a:srgbClr val="0A558C"/>
-              </a:solidFill>
-              <a:latin typeface="Calibri"/>
-            </a:endParaRPr>
-          </a:p>
-          <a:p>
-            <a:pPr marL="360000" indent="-359640">
-              <a:lnSpc>
-                <a:spcPct val="100000"/>
-              </a:lnSpc>
-              <a:spcBef>
-                <a:spcPts val="201"/>
-              </a:spcBef>
-              <a:buClr>
-                <a:srgbClr val="FFFFFF"/>
-              </a:buClr>
-              <a:buFont typeface="StarSymbol"/>
-              <a:buAutoNum type="arabicPlain"/>
-            </a:pPr>
-            <a:r>
-              <a:rPr lang="de-DE" sz="1400" b="0" strike="noStrike" spc="-1" dirty="0">
-                <a:solidFill>
-                  <a:srgbClr val="FFFFFF"/>
-                </a:solidFill>
-                <a:latin typeface="Calibri"/>
-              </a:rPr>
-              <a:t>Fazit / Reflexion</a:t>
+              <a:t>Quellen</a:t>
             </a:r>
             <a:endParaRPr lang="de-DE" sz="1400" b="0" strike="noStrike" spc="-1" dirty="0">
               <a:solidFill>
@@ -10607,7 +10743,7 @@
     <mc:Choice Requires="p14">
       <p:transition spd="slow" p14:dur="2000"/>
     </mc:Choice>
-    <mc:Fallback xmlns:p15="http://schemas.microsoft.com/office/powerpoint/2012/main" xmlns="">
+    <mc:Fallback xmlns="" xmlns:p15="http://schemas.microsoft.com/office/powerpoint/2012/main">
       <p:transition spd="slow"/>
     </mc:Fallback>
   </mc:AlternateContent>
@@ -10775,42 +10911,6 @@
       </p:sp>
       <p:sp>
         <p:nvSpPr>
-          <p:cNvPr id="4" name="Titel 3"/>
-          <p:cNvSpPr>
-            <a:spLocks noGrp="1"/>
-          </p:cNvSpPr>
-          <p:nvPr>
-            <p:ph type="title"/>
-          </p:nvPr>
-        </p:nvSpPr>
-        <p:spPr/>
-        <p:txBody>
-          <a:bodyPr/>
-          <a:lstStyle/>
-          <a:p>
-            <a:r>
-              <a:rPr lang="de-DE" sz="1800" spc="-1" dirty="0">
-                <a:solidFill>
-                  <a:srgbClr val="0A558C"/>
-                </a:solidFill>
-                <a:latin typeface="Calibri"/>
-              </a:rPr>
-              <a:t>Einleitung</a:t>
-            </a:r>
-            <a:br>
-              <a:rPr lang="de-DE" sz="1800" spc="-1" dirty="0">
-                <a:solidFill>
-                  <a:srgbClr val="0A558C"/>
-                </a:solidFill>
-                <a:latin typeface="Calibri"/>
-              </a:rPr>
-            </a:br>
-            <a:endParaRPr lang="de-DE" sz="1800" dirty="0"/>
-          </a:p>
-        </p:txBody>
-      </p:sp>
-      <p:sp>
-        <p:nvSpPr>
           <p:cNvPr id="6" name="Textplatzhalter 5"/>
           <p:cNvSpPr>
             <a:spLocks noGrp="1"/>
@@ -10910,6 +11010,42 @@
           </a:p>
         </p:txBody>
       </p:sp>
+      <p:sp>
+        <p:nvSpPr>
+          <p:cNvPr id="4" name="Titel 3"/>
+          <p:cNvSpPr>
+            <a:spLocks noGrp="1"/>
+          </p:cNvSpPr>
+          <p:nvPr>
+            <p:ph type="title"/>
+          </p:nvPr>
+        </p:nvSpPr>
+        <p:spPr/>
+        <p:txBody>
+          <a:bodyPr/>
+          <a:lstStyle/>
+          <a:p>
+            <a:r>
+              <a:rPr lang="de-DE" sz="1800" spc="-1" dirty="0">
+                <a:solidFill>
+                  <a:srgbClr val="0A558C"/>
+                </a:solidFill>
+                <a:latin typeface="Calibri"/>
+              </a:rPr>
+              <a:t>Einleitung</a:t>
+            </a:r>
+            <a:br>
+              <a:rPr lang="de-DE" sz="1800" spc="-1" dirty="0">
+                <a:solidFill>
+                  <a:srgbClr val="0A558C"/>
+                </a:solidFill>
+                <a:latin typeface="Calibri"/>
+              </a:rPr>
+            </a:br>
+            <a:endParaRPr lang="de-DE" sz="1800" dirty="0"/>
+          </a:p>
+        </p:txBody>
+      </p:sp>
       <p:pic>
         <p:nvPicPr>
           <p:cNvPr id="2" name="Grafik 1"/>
@@ -10943,7 +11079,7 @@
     <mc:Choice Requires="p14">
       <p:transition spd="slow" p14:dur="2000"/>
     </mc:Choice>
-    <mc:Fallback xmlns:p15="http://schemas.microsoft.com/office/powerpoint/2012/main" xmlns="">
+    <mc:Fallback xmlns="" xmlns:p15="http://schemas.microsoft.com/office/powerpoint/2012/main">
       <p:transition spd="slow"/>
     </mc:Fallback>
   </mc:AlternateContent>
@@ -10976,42 +11112,6 @@
       </p:grpSpPr>
       <p:sp>
         <p:nvSpPr>
-          <p:cNvPr id="2" name="Titel 1"/>
-          <p:cNvSpPr>
-            <a:spLocks noGrp="1"/>
-          </p:cNvSpPr>
-          <p:nvPr>
-            <p:ph type="title"/>
-          </p:nvPr>
-        </p:nvSpPr>
-        <p:spPr>
-          <a:xfrm>
-            <a:off x="250920" y="551100"/>
-            <a:ext cx="8639640" cy="332399"/>
-          </a:xfrm>
-        </p:spPr>
-        <p:txBody>
-          <a:bodyPr/>
-          <a:lstStyle/>
-          <a:p>
-            <a:r>
-              <a:rPr lang="de-DE" sz="2400" dirty="0" smtClean="0">
-                <a:solidFill>
-                  <a:srgbClr val="0070C0"/>
-                </a:solidFill>
-              </a:rPr>
-              <a:t>LDO Funktionsweise</a:t>
-            </a:r>
-            <a:endParaRPr lang="de-DE" sz="2400" dirty="0">
-              <a:solidFill>
-                <a:srgbClr val="0070C0"/>
-              </a:solidFill>
-            </a:endParaRPr>
-          </a:p>
-        </p:txBody>
-      </p:sp>
-      <p:sp>
-        <p:nvSpPr>
           <p:cNvPr id="3" name="Textplatzhalter 2"/>
           <p:cNvSpPr>
             <a:spLocks noGrp="1"/>
@@ -11027,6 +11127,10 @@
           </a:bodyPr>
           <a:lstStyle/>
           <a:p>
+            <a:pPr marL="285750" indent="-285750">
+              <a:buFont typeface="Arial" panose="020B0604020202020204" pitchFamily="34" charset="0"/>
+              <a:buChar char="•"/>
+            </a:pPr>
             <a:r>
               <a:rPr lang="de-DE" sz="1800" dirty="0" smtClean="0">
                 <a:solidFill>
@@ -11035,19 +11139,44 @@
               </a:rPr>
               <a:t>Referenzspannung </a:t>
             </a:r>
-          </a:p>
-          <a:p>
-            <a:pPr lvl="1"/>
+            <a:endParaRPr lang="de-DE" sz="1800" dirty="0" smtClean="0">
+              <a:solidFill>
+                <a:srgbClr val="0070C0"/>
+              </a:solidFill>
+            </a:endParaRPr>
+          </a:p>
+          <a:p>
+            <a:pPr marL="742950" lvl="1" indent="-285750"/>
             <a:r>
               <a:rPr lang="de-DE" sz="1400" dirty="0" smtClean="0">
                 <a:solidFill>
                   <a:srgbClr val="0070C0"/>
                 </a:solidFill>
               </a:rPr>
-              <a:t>Z-Diode und Widerstand</a:t>
+              <a:t>Z-Diode </a:t>
             </a:r>
-          </a:p>
-          <a:p>
+            <a:r>
+              <a:rPr lang="de-DE" sz="1400" dirty="0" smtClean="0">
+                <a:solidFill>
+                  <a:srgbClr val="0070C0"/>
+                </a:solidFill>
+              </a:rPr>
+              <a:t>und </a:t>
+            </a:r>
+            <a:r>
+              <a:rPr lang="de-DE" sz="1400" dirty="0" smtClean="0">
+                <a:solidFill>
+                  <a:srgbClr val="0070C0"/>
+                </a:solidFill>
+              </a:rPr>
+              <a:t>Widerstand </a:t>
+            </a:r>
+          </a:p>
+          <a:p>
+            <a:pPr marL="285750" indent="-285750">
+              <a:buFont typeface="Arial" panose="020B0604020202020204" pitchFamily="34" charset="0"/>
+              <a:buChar char="•"/>
+            </a:pPr>
             <a:r>
               <a:rPr lang="de-DE" sz="1800" dirty="0" smtClean="0">
                 <a:solidFill>
@@ -11058,7 +11187,7 @@
             </a:r>
           </a:p>
           <a:p>
-            <a:pPr lvl="1"/>
+            <a:pPr marL="742950" lvl="1" indent="-285750"/>
             <a:r>
               <a:rPr lang="de-DE" sz="1400" dirty="0" err="1" smtClean="0">
                 <a:solidFill>
@@ -11074,6 +11203,10 @@
             </a:endParaRPr>
           </a:p>
           <a:p>
+            <a:pPr marL="285750" indent="-285750">
+              <a:buFont typeface="Arial" panose="020B0604020202020204" pitchFamily="34" charset="0"/>
+              <a:buChar char="•"/>
+            </a:pPr>
             <a:r>
               <a:rPr lang="de-DE" sz="1800" dirty="0" smtClean="0">
                 <a:solidFill>
@@ -11084,14 +11217,22 @@
             </a:r>
           </a:p>
           <a:p>
-            <a:pPr lvl="1"/>
+            <a:pPr marL="742950" lvl="1" indent="-285750"/>
             <a:r>
               <a:rPr lang="de-DE" sz="1400" dirty="0" smtClean="0">
                 <a:solidFill>
                   <a:srgbClr val="0070C0"/>
                 </a:solidFill>
               </a:rPr>
-              <a:t>(P-</a:t>
+              <a:t>(</a:t>
+            </a:r>
+            <a:r>
+              <a:rPr lang="de-DE" sz="1400" dirty="0" smtClean="0">
+                <a:solidFill>
+                  <a:srgbClr val="0070C0"/>
+                </a:solidFill>
+              </a:rPr>
+              <a:t>P-</a:t>
             </a:r>
             <a:r>
               <a:rPr lang="de-DE" sz="1400" dirty="0" err="1" smtClean="0">
@@ -11112,6 +11253,37 @@
           </a:p>
           <a:p>
             <a:endParaRPr lang="de-DE" sz="1800" dirty="0"/>
+          </a:p>
+        </p:txBody>
+      </p:sp>
+      <p:sp>
+        <p:nvSpPr>
+          <p:cNvPr id="2" name="Titel 1"/>
+          <p:cNvSpPr>
+            <a:spLocks noGrp="1"/>
+          </p:cNvSpPr>
+          <p:nvPr>
+            <p:ph type="title"/>
+          </p:nvPr>
+        </p:nvSpPr>
+        <p:spPr/>
+        <p:txBody>
+          <a:bodyPr/>
+          <a:lstStyle/>
+          <a:p>
+            <a:r>
+              <a:rPr lang="de-DE" sz="2400" dirty="0" smtClean="0">
+                <a:solidFill>
+                  <a:srgbClr val="0070C0"/>
+                </a:solidFill>
+              </a:rPr>
+              <a:t>LDO Funktionsweise</a:t>
+            </a:r>
+            <a:endParaRPr lang="de-DE" sz="2400" dirty="0">
+              <a:solidFill>
+                <a:srgbClr val="0070C0"/>
+              </a:solidFill>
+            </a:endParaRPr>
           </a:p>
         </p:txBody>
       </p:sp>
@@ -11171,6 +11343,41 @@
       </p:grpSpPr>
       <p:sp>
         <p:nvSpPr>
+          <p:cNvPr id="5" name="Titel 4"/>
+          <p:cNvSpPr>
+            <a:spLocks noGrp="1"/>
+          </p:cNvSpPr>
+          <p:nvPr>
+            <p:ph type="title"/>
+          </p:nvPr>
+        </p:nvSpPr>
+        <p:spPr/>
+        <p:txBody>
+          <a:bodyPr/>
+          <a:lstStyle/>
+          <a:p>
+            <a:r>
+              <a:rPr lang="de-DE" sz="1800" dirty="0" smtClean="0">
+                <a:solidFill>
+                  <a:srgbClr val="0A558C"/>
+                </a:solidFill>
+                <a:latin typeface="Calibri" panose="020F0502020204030204" pitchFamily="34" charset="0"/>
+                <a:cs typeface="Calibri" panose="020F0502020204030204" pitchFamily="34" charset="0"/>
+              </a:rPr>
+              <a:t>Aufgabenstellung</a:t>
+            </a:r>
+            <a:endParaRPr lang="de-DE" sz="1800" dirty="0">
+              <a:solidFill>
+                <a:srgbClr val="0A558C"/>
+              </a:solidFill>
+              <a:latin typeface="Calibri" panose="020F0502020204030204" pitchFamily="34" charset="0"/>
+              <a:cs typeface="Calibri" panose="020F0502020204030204" pitchFamily="34" charset="0"/>
+            </a:endParaRPr>
+          </a:p>
+        </p:txBody>
+      </p:sp>
+      <p:sp>
+        <p:nvSpPr>
           <p:cNvPr id="2" name="Textplatzhalter 1"/>
           <p:cNvSpPr>
             <a:spLocks noGrp="1"/>
@@ -11243,41 +11450,6 @@
               </a:rPr>
               <a:t>der Lastregelung</a:t>
             </a:r>
-          </a:p>
-        </p:txBody>
-      </p:sp>
-      <p:sp>
-        <p:nvSpPr>
-          <p:cNvPr id="5" name="Titel 4"/>
-          <p:cNvSpPr>
-            <a:spLocks noGrp="1"/>
-          </p:cNvSpPr>
-          <p:nvPr>
-            <p:ph type="title"/>
-          </p:nvPr>
-        </p:nvSpPr>
-        <p:spPr/>
-        <p:txBody>
-          <a:bodyPr/>
-          <a:lstStyle/>
-          <a:p>
-            <a:r>
-              <a:rPr lang="de-DE" sz="1800" dirty="0" smtClean="0">
-                <a:solidFill>
-                  <a:srgbClr val="0A558C"/>
-                </a:solidFill>
-                <a:latin typeface="Calibri" panose="020F0502020204030204" pitchFamily="34" charset="0"/>
-                <a:cs typeface="Calibri" panose="020F0502020204030204" pitchFamily="34" charset="0"/>
-              </a:rPr>
-              <a:t>Aufgabenstellung</a:t>
-            </a:r>
-            <a:endParaRPr lang="de-DE" sz="1800" dirty="0">
-              <a:solidFill>
-                <a:srgbClr val="0A558C"/>
-              </a:solidFill>
-              <a:latin typeface="Calibri" panose="020F0502020204030204" pitchFamily="34" charset="0"/>
-              <a:cs typeface="Calibri" panose="020F0502020204030204" pitchFamily="34" charset="0"/>
-            </a:endParaRPr>
           </a:p>
         </p:txBody>
       </p:sp>
@@ -11558,7 +11730,7 @@
                 <a:latin typeface="Calibri" panose="020F0502020204030204" pitchFamily="34" charset="0"/>
                 <a:cs typeface="Calibri" panose="020F0502020204030204" pitchFamily="34" charset="0"/>
               </a:rPr>
-              <a:t>Simulation der </a:t>
+              <a:t>Simulation der Schaltung </a:t>
             </a:r>
             <a:r>
               <a:rPr lang="de-DE" sz="1800" dirty="0" smtClean="0">
@@ -11568,7 +11740,7 @@
                 <a:latin typeface="Calibri" panose="020F0502020204030204" pitchFamily="34" charset="0"/>
                 <a:cs typeface="Calibri" panose="020F0502020204030204" pitchFamily="34" charset="0"/>
               </a:rPr>
-              <a:t>Schaltung Leitungsregelung</a:t>
+              <a:t>- Leitungsregelung</a:t>
             </a:r>
             <a:endParaRPr lang="de-DE" sz="1800" dirty="0">
               <a:solidFill>
@@ -11671,56 +11843,6 @@
           </a:prstGeom>
         </p:spPr>
       </p:pic>
-      <p:sp>
-        <p:nvSpPr>
-          <p:cNvPr id="5" name="Titel 4"/>
-          <p:cNvSpPr>
-            <a:spLocks noGrp="1"/>
-          </p:cNvSpPr>
-          <p:nvPr>
-            <p:ph type="title"/>
-          </p:nvPr>
-        </p:nvSpPr>
-        <p:spPr>
-          <a:xfrm>
-            <a:off x="250920" y="592650"/>
-            <a:ext cx="8639640" cy="249299"/>
-          </a:xfrm>
-        </p:spPr>
-        <p:txBody>
-          <a:bodyPr/>
-          <a:lstStyle/>
-          <a:p>
-            <a:r>
-              <a:rPr lang="de-DE" sz="1800" dirty="0" smtClean="0">
-                <a:solidFill>
-                  <a:srgbClr val="0A558C"/>
-                </a:solidFill>
-                <a:latin typeface="Calibri" panose="020F0502020204030204" pitchFamily="34" charset="0"/>
-                <a:cs typeface="Calibri" panose="020F0502020204030204" pitchFamily="34" charset="0"/>
-              </a:rPr>
-              <a:t>Messaufbau der </a:t>
-            </a:r>
-            <a:r>
-              <a:rPr lang="de-DE" sz="1800" dirty="0">
-                <a:solidFill>
-                  <a:srgbClr val="0A558C"/>
-                </a:solidFill>
-                <a:latin typeface="Calibri" panose="020F0502020204030204" pitchFamily="34" charset="0"/>
-                <a:cs typeface="Calibri" panose="020F0502020204030204" pitchFamily="34" charset="0"/>
-              </a:rPr>
-              <a:t>Schaltung Leitungsregelung</a:t>
-            </a:r>
-            <a:endParaRPr lang="de-DE" sz="1800" dirty="0">
-              <a:solidFill>
-                <a:srgbClr val="0A558C"/>
-              </a:solidFill>
-              <a:latin typeface="Calibri" panose="020F0502020204030204" pitchFamily="34" charset="0"/>
-              <a:cs typeface="Calibri" panose="020F0502020204030204" pitchFamily="34" charset="0"/>
-            </a:endParaRPr>
-          </a:p>
-        </p:txBody>
-      </p:sp>
       <p:pic>
         <p:nvPicPr>
           <p:cNvPr id="4" name="Grafik 3"/>
@@ -11753,6 +11875,54 @@
       </p:pic>
       <p:sp>
         <p:nvSpPr>
+          <p:cNvPr id="5" name="Titel 4"/>
+          <p:cNvSpPr>
+            <a:spLocks noGrp="1"/>
+          </p:cNvSpPr>
+          <p:nvPr>
+            <p:ph type="title"/>
+          </p:nvPr>
+        </p:nvSpPr>
+        <p:spPr/>
+        <p:txBody>
+          <a:bodyPr/>
+          <a:lstStyle/>
+          <a:p>
+            <a:r>
+              <a:rPr lang="de-DE" sz="1800" dirty="0" smtClean="0">
+                <a:solidFill>
+                  <a:srgbClr val="0A558C"/>
+                </a:solidFill>
+                <a:latin typeface="Calibri" panose="020F0502020204030204" pitchFamily="34" charset="0"/>
+                <a:cs typeface="Calibri" panose="020F0502020204030204" pitchFamily="34" charset="0"/>
+              </a:rPr>
+              <a:t>Messaufbau der </a:t>
+            </a:r>
+            <a:r>
+              <a:rPr lang="de-DE" sz="1800" dirty="0" smtClean="0">
+                <a:solidFill>
+                  <a:srgbClr val="0A558C"/>
+                </a:solidFill>
+                <a:latin typeface="Calibri" panose="020F0502020204030204" pitchFamily="34" charset="0"/>
+                <a:cs typeface="Calibri" panose="020F0502020204030204" pitchFamily="34" charset="0"/>
+              </a:rPr>
+              <a:t>Schaltung - </a:t>
+            </a:r>
+            <a:r>
+              <a:rPr lang="de-DE" sz="1800" dirty="0">
+                <a:solidFill>
+                  <a:srgbClr val="0A558C"/>
+                </a:solidFill>
+                <a:latin typeface="Calibri" panose="020F0502020204030204" pitchFamily="34" charset="0"/>
+                <a:cs typeface="Calibri" panose="020F0502020204030204" pitchFamily="34" charset="0"/>
+              </a:rPr>
+              <a:t>Leitungsregelung</a:t>
+            </a:r>
+          </a:p>
+        </p:txBody>
+      </p:sp>
+      <p:sp>
+        <p:nvSpPr>
           <p:cNvPr id="6" name="Textplatzhalter 5"/>
           <p:cNvSpPr>
             <a:spLocks noGrp="1"/>
@@ -11761,12 +11931,7 @@
             <p:ph type="body"/>
           </p:nvPr>
         </p:nvSpPr>
-        <p:spPr>
-          <a:xfrm>
-            <a:off x="376482" y="1069435"/>
-            <a:ext cx="2964434" cy="2114247"/>
-          </a:xfrm>
-        </p:spPr>
+        <p:spPr/>
         <p:txBody>
           <a:bodyPr>
             <a:normAutofit/>
@@ -11886,13 +12051,6 @@
               </a:rPr>
               <a:t>Messung - Leitungsregelung</a:t>
             </a:r>
-            <a:endParaRPr lang="de-DE" sz="1800" dirty="0">
-              <a:solidFill>
-                <a:srgbClr val="0A558C"/>
-              </a:solidFill>
-              <a:latin typeface="Calibri" panose="020F0502020204030204" pitchFamily="34" charset="0"/>
-              <a:cs typeface="Calibri" panose="020F0502020204030204" pitchFamily="34" charset="0"/>
-            </a:endParaRPr>
           </a:p>
         </p:txBody>
       </p:sp>
